--- a/Documention/Group project proposal/Presentation.pptx
+++ b/Documention/Group project proposal/Presentation.pptx
@@ -5,15 +5,16 @@
     <p:sldMasterId id="2147483678" r:id="rId1"/>
   </p:sldMasterIdLst>
   <p:notesMasterIdLst>
-    <p:notesMasterId r:id="rId8"/>
+    <p:notesMasterId r:id="rId9"/>
   </p:notesMasterIdLst>
   <p:sldIdLst>
     <p:sldId id="258" r:id="rId2"/>
     <p:sldId id="257" r:id="rId3"/>
     <p:sldId id="256" r:id="rId4"/>
-    <p:sldId id="262" r:id="rId5"/>
-    <p:sldId id="263" r:id="rId6"/>
+    <p:sldId id="263" r:id="rId5"/>
+    <p:sldId id="262" r:id="rId6"/>
     <p:sldId id="261" r:id="rId7"/>
+    <p:sldId id="264" r:id="rId8"/>
   </p:sldIdLst>
   <p:sldSz cx="12192000" cy="6858000"/>
   <p:notesSz cx="6858000" cy="9144000"/>
@@ -213,7 +214,7 @@
           <a:p>
             <a:fld id="{8FA1E6B9-3CA8-413D-9976-FD99B2ED2AB9}" type="datetimeFigureOut">
               <a:rPr lang="en-US" smtClean="0"/>
-              <a:t>8/2/2020</a:t>
+              <a:t>8/3/2020</a:t>
             </a:fld>
             <a:endParaRPr lang="en-US"/>
           </a:p>
@@ -731,7 +732,7 @@
           <a:p>
             <a:fld id="{3DC0739F-0E95-47B7-B1DB-2741ABEC819D}" type="datetimeFigureOut">
               <a:rPr lang="en-US" smtClean="0"/>
-              <a:t>8/2/2020</a:t>
+              <a:t>8/3/2020</a:t>
             </a:fld>
             <a:endParaRPr lang="en-US"/>
           </a:p>
@@ -929,7 +930,7 @@
           <a:p>
             <a:fld id="{3DC0739F-0E95-47B7-B1DB-2741ABEC819D}" type="datetimeFigureOut">
               <a:rPr lang="en-US" smtClean="0"/>
-              <a:t>8/2/2020</a:t>
+              <a:t>8/3/2020</a:t>
             </a:fld>
             <a:endParaRPr lang="en-US"/>
           </a:p>
@@ -1137,7 +1138,7 @@
           <a:p>
             <a:fld id="{3DC0739F-0E95-47B7-B1DB-2741ABEC819D}" type="datetimeFigureOut">
               <a:rPr lang="en-US" smtClean="0"/>
-              <a:t>8/2/2020</a:t>
+              <a:t>8/3/2020</a:t>
             </a:fld>
             <a:endParaRPr lang="en-US"/>
           </a:p>
@@ -1335,7 +1336,7 @@
           <a:p>
             <a:fld id="{3DC0739F-0E95-47B7-B1DB-2741ABEC819D}" type="datetimeFigureOut">
               <a:rPr lang="en-US" smtClean="0"/>
-              <a:t>8/2/2020</a:t>
+              <a:t>8/3/2020</a:t>
             </a:fld>
             <a:endParaRPr lang="en-US"/>
           </a:p>
@@ -1610,7 +1611,7 @@
           <a:p>
             <a:fld id="{3DC0739F-0E95-47B7-B1DB-2741ABEC819D}" type="datetimeFigureOut">
               <a:rPr lang="en-US" smtClean="0"/>
-              <a:t>8/2/2020</a:t>
+              <a:t>8/3/2020</a:t>
             </a:fld>
             <a:endParaRPr lang="en-US"/>
           </a:p>
@@ -1875,7 +1876,7 @@
           <a:p>
             <a:fld id="{3DC0739F-0E95-47B7-B1DB-2741ABEC819D}" type="datetimeFigureOut">
               <a:rPr lang="en-US" smtClean="0"/>
-              <a:t>8/2/2020</a:t>
+              <a:t>8/3/2020</a:t>
             </a:fld>
             <a:endParaRPr lang="en-US"/>
           </a:p>
@@ -2287,7 +2288,7 @@
           <a:p>
             <a:fld id="{3DC0739F-0E95-47B7-B1DB-2741ABEC819D}" type="datetimeFigureOut">
               <a:rPr lang="en-US" smtClean="0"/>
-              <a:t>8/2/2020</a:t>
+              <a:t>8/3/2020</a:t>
             </a:fld>
             <a:endParaRPr lang="en-US"/>
           </a:p>
@@ -2428,7 +2429,7 @@
           <a:p>
             <a:fld id="{3DC0739F-0E95-47B7-B1DB-2741ABEC819D}" type="datetimeFigureOut">
               <a:rPr lang="en-US" smtClean="0"/>
-              <a:t>8/2/2020</a:t>
+              <a:t>8/3/2020</a:t>
             </a:fld>
             <a:endParaRPr lang="en-US"/>
           </a:p>
@@ -2541,7 +2542,7 @@
           <a:p>
             <a:fld id="{3DC0739F-0E95-47B7-B1DB-2741ABEC819D}" type="datetimeFigureOut">
               <a:rPr lang="en-US" smtClean="0"/>
-              <a:t>8/2/2020</a:t>
+              <a:t>8/3/2020</a:t>
             </a:fld>
             <a:endParaRPr lang="en-US"/>
           </a:p>
@@ -2852,7 +2853,7 @@
           <a:p>
             <a:fld id="{3DC0739F-0E95-47B7-B1DB-2741ABEC819D}" type="datetimeFigureOut">
               <a:rPr lang="en-US" smtClean="0"/>
-              <a:t>8/2/2020</a:t>
+              <a:t>8/3/2020</a:t>
             </a:fld>
             <a:endParaRPr lang="en-US"/>
           </a:p>
@@ -3140,7 +3141,7 @@
           <a:p>
             <a:fld id="{3DC0739F-0E95-47B7-B1DB-2741ABEC819D}" type="datetimeFigureOut">
               <a:rPr lang="en-US" smtClean="0"/>
-              <a:t>8/2/2020</a:t>
+              <a:t>8/3/2020</a:t>
             </a:fld>
             <a:endParaRPr lang="en-US"/>
           </a:p>
@@ -3381,7 +3382,7 @@
           <a:p>
             <a:fld id="{3DC0739F-0E95-47B7-B1DB-2741ABEC819D}" type="datetimeFigureOut">
               <a:rPr lang="en-US" smtClean="0"/>
-              <a:t>8/2/2020</a:t>
+              <a:t>8/3/2020</a:t>
             </a:fld>
             <a:endParaRPr lang="en-US"/>
           </a:p>
@@ -6061,7 +6062,7 @@
                   <a:schemeClr val="bg1"/>
                 </a:solidFill>
               </a:rPr>
-              <a:t>Student</a:t>
+              <a:t>Admin</a:t>
             </a:r>
             <a:r>
               <a:rPr lang="en-US" dirty="0"/>
@@ -6126,7 +6127,7 @@
                   <a:schemeClr val="bg1"/>
                 </a:solidFill>
               </a:rPr>
-              <a:t>Class work: Student can see of his class work.</a:t>
+              <a:t>Dashboard: Student can see of his class work.</a:t>
             </a:r>
           </a:p>
           <a:p>
@@ -6141,7 +6142,7 @@
                 </a:solidFill>
                 <a:latin typeface="SegoeUI"/>
               </a:rPr>
-              <a:t>Notifications: Basically this </a:t>
+              <a:t>Institutions: Basically this </a:t>
             </a:r>
             <a:r>
               <a:rPr lang="en-US" sz="1800" dirty="0">
@@ -6171,7 +6172,7 @@
                 </a:solidFill>
                 <a:latin typeface="SegoeUI"/>
               </a:rPr>
-              <a:t>Course List: this function use for check course list.</a:t>
+              <a:t>Packages: this function use for check course list.</a:t>
             </a:r>
           </a:p>
           <a:p>
@@ -6186,7 +6187,7 @@
                 </a:solidFill>
                 <a:latin typeface="SegoeUI"/>
               </a:rPr>
-              <a:t>Advising: to take course.</a:t>
+              <a:t>Earnings: to take course.</a:t>
             </a:r>
           </a:p>
           <a:p>
@@ -6201,7 +6202,7 @@
                 </a:solidFill>
                 <a:latin typeface="SegoeUI"/>
               </a:rPr>
-              <a:t>Profile: Basic information get from this function.</a:t>
+              <a:t>Backup: Basic information get from this function.</a:t>
             </a:r>
           </a:p>
           <a:p>
@@ -6216,7 +6217,7 @@
                 </a:solidFill>
                 <a:latin typeface="SegoeUI"/>
               </a:rPr>
-              <a:t>Class time: watch class time and also highlight the class time.</a:t>
+              <a:t>Verify institutions: watch class time and also highlight the class time.</a:t>
             </a:r>
           </a:p>
           <a:p>
@@ -6224,15 +6225,6 @@
               <a:buFont typeface="Wingdings" panose="05000000000000000000" pitchFamily="2" charset="2"/>
               <a:buChar char="v"/>
             </a:pPr>
-            <a:r>
-              <a:rPr lang="en-US" sz="1800" b="0" i="0" u="none" strike="noStrike" baseline="0" dirty="0">
-                <a:solidFill>
-                  <a:srgbClr val="FFFFFF"/>
-                </a:solidFill>
-                <a:latin typeface="SegoeUI"/>
-              </a:rPr>
-              <a:t>Add class</a:t>
-            </a:r>
             <a:r>
               <a:rPr lang="en-US" sz="1800" dirty="0">
                 <a:solidFill>
@@ -6240,7 +6232,7 @@
                 </a:solidFill>
                 <a:latin typeface="SegoeUI"/>
               </a:rPr>
-              <a:t>mates: Student can be add of his/ her classmates.</a:t>
+              <a:t>Profile: Student can be add of his/ her classmates.</a:t>
             </a:r>
             <a:endParaRPr lang="en-US" sz="1800" dirty="0">
               <a:solidFill>
@@ -6259,7 +6251,7 @@
                   <a:schemeClr val="bg1"/>
                 </a:solidFill>
               </a:rPr>
-              <a:t>Attendance: count attendance, missing class number etc.</a:t>
+              <a:t>Font page content: count attendance, missing class number etc.</a:t>
             </a:r>
           </a:p>
           <a:p>
@@ -6273,7 +6265,7 @@
                   <a:schemeClr val="bg1"/>
                 </a:solidFill>
               </a:rPr>
-              <a:t>Student register: Every student must be registered and have an unique id that is need to access for LMS.</a:t>
+              <a:t>Font page notice: Every student must be registered and have an unique id that is need to access for LMS.</a:t>
             </a:r>
           </a:p>
           <a:p>
@@ -6287,7 +6279,7 @@
                   <a:schemeClr val="bg1"/>
                 </a:solidFill>
               </a:rPr>
-              <a:t>Resource: All types of resource like slides, docs and pdf etc. get from function.</a:t>
+              <a:t>Log Out: All types of resource like slides, docs and pdf etc. get from function.</a:t>
             </a:r>
           </a:p>
           <a:p>
@@ -6301,7 +6293,7 @@
     </p:spTree>
     <p:extLst>
       <p:ext uri="{BB962C8B-B14F-4D97-AF65-F5344CB8AC3E}">
-        <p14:creationId xmlns:p14="http://schemas.microsoft.com/office/powerpoint/2010/main" val="1481646063"/>
+        <p14:creationId xmlns:p14="http://schemas.microsoft.com/office/powerpoint/2010/main" val="2943054723"/>
       </p:ext>
     </p:extLst>
   </p:cSld>
@@ -6370,7 +6362,7 @@
                   <a:schemeClr val="bg1"/>
                 </a:solidFill>
               </a:rPr>
-              <a:t>Admin</a:t>
+              <a:t>Student</a:t>
             </a:r>
             <a:r>
               <a:rPr lang="en-US" dirty="0"/>
@@ -6435,7 +6427,7 @@
                   <a:schemeClr val="bg1"/>
                 </a:solidFill>
               </a:rPr>
-              <a:t>Dashboard: Student can see of his class work.</a:t>
+              <a:t>Class work: Student can see of his class work.</a:t>
             </a:r>
           </a:p>
           <a:p>
@@ -6450,7 +6442,7 @@
                 </a:solidFill>
                 <a:latin typeface="SegoeUI"/>
               </a:rPr>
-              <a:t>Institutions: Basically this </a:t>
+              <a:t>Notifications: Basically this </a:t>
             </a:r>
             <a:r>
               <a:rPr lang="en-US" sz="1800" dirty="0">
@@ -6480,7 +6472,7 @@
                 </a:solidFill>
                 <a:latin typeface="SegoeUI"/>
               </a:rPr>
-              <a:t>Packages: this function use for check course list.</a:t>
+              <a:t>Course List: this function use for check course list.</a:t>
             </a:r>
           </a:p>
           <a:p>
@@ -6495,7 +6487,7 @@
                 </a:solidFill>
                 <a:latin typeface="SegoeUI"/>
               </a:rPr>
-              <a:t>Earnings: to take course.</a:t>
+              <a:t>Advising: to take course.</a:t>
             </a:r>
           </a:p>
           <a:p>
@@ -6510,7 +6502,7 @@
                 </a:solidFill>
                 <a:latin typeface="SegoeUI"/>
               </a:rPr>
-              <a:t>Backup: Basic information get from this function.</a:t>
+              <a:t>Profile: Basic information get from this function.</a:t>
             </a:r>
           </a:p>
           <a:p>
@@ -6525,7 +6517,7 @@
                 </a:solidFill>
                 <a:latin typeface="SegoeUI"/>
               </a:rPr>
-              <a:t>Verify institutions: watch class time and also highlight the class time.</a:t>
+              <a:t>Class time: watch class time and also highlight the class time.</a:t>
             </a:r>
           </a:p>
           <a:p>
@@ -6533,6 +6525,15 @@
               <a:buFont typeface="Wingdings" panose="05000000000000000000" pitchFamily="2" charset="2"/>
               <a:buChar char="v"/>
             </a:pPr>
+            <a:r>
+              <a:rPr lang="en-US" sz="1800" b="0" i="0" u="none" strike="noStrike" baseline="0" dirty="0">
+                <a:solidFill>
+                  <a:srgbClr val="FFFFFF"/>
+                </a:solidFill>
+                <a:latin typeface="SegoeUI"/>
+              </a:rPr>
+              <a:t>Add class</a:t>
+            </a:r>
             <a:r>
               <a:rPr lang="en-US" sz="1800" dirty="0">
                 <a:solidFill>
@@ -6540,7 +6541,7 @@
                 </a:solidFill>
                 <a:latin typeface="SegoeUI"/>
               </a:rPr>
-              <a:t>Profile: Student can be add of his/ her classmates.</a:t>
+              <a:t>mates: Student can be add of his/ her classmates.</a:t>
             </a:r>
             <a:endParaRPr lang="en-US" sz="1800" dirty="0">
               <a:solidFill>
@@ -6559,7 +6560,7 @@
                   <a:schemeClr val="bg1"/>
                 </a:solidFill>
               </a:rPr>
-              <a:t>Font page content: count attendance, missing class number etc.</a:t>
+              <a:t>Attendance: count attendance, missing class number etc.</a:t>
             </a:r>
           </a:p>
           <a:p>
@@ -6573,7 +6574,7 @@
                   <a:schemeClr val="bg1"/>
                 </a:solidFill>
               </a:rPr>
-              <a:t>Font page notice: Every student must be registered and have an unique id that is need to access for LMS.</a:t>
+              <a:t>Student register: Every student must be registered and have an unique id that is need to access for LMS.</a:t>
             </a:r>
           </a:p>
           <a:p>
@@ -6587,7 +6588,7 @@
                   <a:schemeClr val="bg1"/>
                 </a:solidFill>
               </a:rPr>
-              <a:t>Log Out: All types of resource like slides, docs and pdf etc. get from function.</a:t>
+              <a:t>Resource: All types of resource like slides, docs and pdf etc. get from function.</a:t>
             </a:r>
           </a:p>
           <a:p>
@@ -6601,7 +6602,7 @@
     </p:spTree>
     <p:extLst>
       <p:ext uri="{BB962C8B-B14F-4D97-AF65-F5344CB8AC3E}">
-        <p14:creationId xmlns:p14="http://schemas.microsoft.com/office/powerpoint/2010/main" val="2943054723"/>
+        <p14:creationId xmlns:p14="http://schemas.microsoft.com/office/powerpoint/2010/main" val="1481646063"/>
       </p:ext>
     </p:extLst>
   </p:cSld>
@@ -14706,6 +14707,315 @@
         </p:txBody>
       </p:sp>
     </p:spTree>
+  </p:cSld>
+  <p:clrMapOvr>
+    <a:masterClrMapping/>
+  </p:clrMapOvr>
+</p:sld>
+</file>
+
+<file path=ppt/slides/slide7.xml><?xml version="1.0" encoding="utf-8"?>
+<p:sld xmlns:a="http://schemas.openxmlformats.org/drawingml/2006/main" xmlns:r="http://schemas.openxmlformats.org/officeDocument/2006/relationships" xmlns:p="http://schemas.openxmlformats.org/presentationml/2006/main">
+  <p:cSld>
+    <p:bg>
+      <p:bgPr>
+        <a:solidFill>
+          <a:schemeClr val="accent1"/>
+        </a:solidFill>
+        <a:effectLst/>
+      </p:bgPr>
+    </p:bg>
+    <p:spTree>
+      <p:nvGrpSpPr>
+        <p:cNvPr id="1" name=""/>
+        <p:cNvGrpSpPr/>
+        <p:nvPr/>
+      </p:nvGrpSpPr>
+      <p:grpSpPr>
+        <a:xfrm>
+          <a:off x="0" y="0"/>
+          <a:ext cx="0" cy="0"/>
+          <a:chOff x="0" y="0"/>
+          <a:chExt cx="0" cy="0"/>
+        </a:xfrm>
+      </p:grpSpPr>
+      <p:sp>
+        <p:nvSpPr>
+          <p:cNvPr id="2" name="Title 1">
+            <a:extLst>
+              <a:ext uri="{FF2B5EF4-FFF2-40B4-BE49-F238E27FC236}">
+                <a16:creationId xmlns:a16="http://schemas.microsoft.com/office/drawing/2014/main" id="{61B3DB64-F483-4AAC-BFC2-12A36A3C3BFE}"/>
+              </a:ext>
+            </a:extLst>
+          </p:cNvPr>
+          <p:cNvSpPr>
+            <a:spLocks noGrp="1"/>
+          </p:cNvSpPr>
+          <p:nvPr>
+            <p:ph type="title"/>
+          </p:nvPr>
+        </p:nvSpPr>
+        <p:spPr>
+          <a:xfrm>
+            <a:off x="0" y="0"/>
+            <a:ext cx="12192000" cy="1400530"/>
+          </a:xfrm>
+        </p:spPr>
+        <p:txBody>
+          <a:bodyPr/>
+          <a:lstStyle/>
+          <a:p>
+            <a:r>
+              <a:rPr lang="en-US" dirty="0">
+                <a:solidFill>
+                  <a:schemeClr val="bg1"/>
+                </a:solidFill>
+                <a:latin typeface="Arial" panose="020B0604020202020204" pitchFamily="34" charset="0"/>
+                <a:cs typeface="Arial" panose="020B0604020202020204" pitchFamily="34" charset="0"/>
+              </a:rPr>
+              <a:t>Institute</a:t>
+            </a:r>
+            <a:r>
+              <a:rPr lang="en-US" dirty="0"/>
+              <a:t> </a:t>
+            </a:r>
+            <a:r>
+              <a:rPr lang="en-US" dirty="0">
+                <a:solidFill>
+                  <a:schemeClr val="bg1"/>
+                </a:solidFill>
+              </a:rPr>
+              <a:t>Functions:</a:t>
+            </a:r>
+          </a:p>
+        </p:txBody>
+      </p:sp>
+      <p:sp>
+        <p:nvSpPr>
+          <p:cNvPr id="3" name="Content Placeholder 2">
+            <a:extLst>
+              <a:ext uri="{FF2B5EF4-FFF2-40B4-BE49-F238E27FC236}">
+                <a16:creationId xmlns:a16="http://schemas.microsoft.com/office/drawing/2014/main" id="{4045C6E0-45B3-499B-933A-D0A4378C19CF}"/>
+              </a:ext>
+            </a:extLst>
+          </p:cNvPr>
+          <p:cNvSpPr>
+            <a:spLocks noGrp="1"/>
+          </p:cNvSpPr>
+          <p:nvPr>
+            <p:ph idx="1"/>
+          </p:nvPr>
+        </p:nvSpPr>
+        <p:spPr>
+          <a:xfrm>
+            <a:off x="919065" y="881330"/>
+            <a:ext cx="10353869" cy="5976670"/>
+          </a:xfrm>
+        </p:spPr>
+        <p:txBody>
+          <a:bodyPr>
+            <a:normAutofit/>
+          </a:bodyPr>
+          <a:lstStyle/>
+          <a:p>
+            <a:pPr marL="0" indent="0">
+              <a:buNone/>
+            </a:pPr>
+            <a:endParaRPr lang="en-US" sz="1800" dirty="0">
+              <a:solidFill>
+                <a:schemeClr val="bg1"/>
+              </a:solidFill>
+            </a:endParaRPr>
+          </a:p>
+          <a:p>
+            <a:pPr>
+              <a:buFont typeface="Wingdings" panose="05000000000000000000" pitchFamily="2" charset="2"/>
+              <a:buChar char="v"/>
+            </a:pPr>
+            <a:r>
+              <a:rPr lang="en-US" sz="1800" dirty="0">
+                <a:solidFill>
+                  <a:schemeClr val="bg1"/>
+                </a:solidFill>
+              </a:rPr>
+              <a:t>Class work: Student can see of his class work.</a:t>
+            </a:r>
+          </a:p>
+          <a:p>
+            <a:pPr>
+              <a:buFont typeface="Wingdings" panose="05000000000000000000" pitchFamily="2" charset="2"/>
+              <a:buChar char="v"/>
+            </a:pPr>
+            <a:r>
+              <a:rPr lang="en-US" sz="1800" b="0" i="0" u="none" strike="noStrike" baseline="0" dirty="0">
+                <a:solidFill>
+                  <a:srgbClr val="FFFFFF"/>
+                </a:solidFill>
+                <a:latin typeface="SegoeUI"/>
+              </a:rPr>
+              <a:t>Notifications: Basically this </a:t>
+            </a:r>
+            <a:r>
+              <a:rPr lang="en-US" sz="1800" dirty="0">
+                <a:solidFill>
+                  <a:srgbClr val="FFFFFF"/>
+                </a:solidFill>
+                <a:latin typeface="SegoeUI"/>
+              </a:rPr>
+              <a:t>function for class work notifications.</a:t>
+            </a:r>
+            <a:endParaRPr lang="en-US" sz="1800" b="0" i="0" u="none" strike="noStrike" baseline="0" dirty="0">
+              <a:solidFill>
+                <a:srgbClr val="FFFFFF"/>
+              </a:solidFill>
+              <a:latin typeface="SegoeUI"/>
+            </a:endParaRPr>
+          </a:p>
+          <a:p>
+            <a:pPr>
+              <a:buFont typeface="Wingdings" panose="05000000000000000000" pitchFamily="2" charset="2"/>
+              <a:buChar char="v"/>
+            </a:pPr>
+            <a:r>
+              <a:rPr lang="en-US" sz="1800" b="0" i="0" u="none" strike="noStrike" baseline="0" dirty="0">
+                <a:solidFill>
+                  <a:srgbClr val="FFFFFF"/>
+                </a:solidFill>
+                <a:latin typeface="SegoeUI"/>
+              </a:rPr>
+              <a:t>Course List: this function use for check course list.</a:t>
+            </a:r>
+          </a:p>
+          <a:p>
+            <a:pPr>
+              <a:buFont typeface="Wingdings" panose="05000000000000000000" pitchFamily="2" charset="2"/>
+              <a:buChar char="v"/>
+            </a:pPr>
+            <a:r>
+              <a:rPr lang="en-US" sz="1800" dirty="0">
+                <a:solidFill>
+                  <a:srgbClr val="FFFFFF"/>
+                </a:solidFill>
+                <a:latin typeface="SegoeUI"/>
+              </a:rPr>
+              <a:t>Advising: to take course.</a:t>
+            </a:r>
+          </a:p>
+          <a:p>
+            <a:pPr>
+              <a:buFont typeface="Wingdings" panose="05000000000000000000" pitchFamily="2" charset="2"/>
+              <a:buChar char="v"/>
+            </a:pPr>
+            <a:r>
+              <a:rPr lang="en-US" sz="1800" b="0" i="0" u="none" strike="noStrike" baseline="0" dirty="0">
+                <a:solidFill>
+                  <a:srgbClr val="FFFFFF"/>
+                </a:solidFill>
+                <a:latin typeface="SegoeUI"/>
+              </a:rPr>
+              <a:t>Profile: Basic information get from this function.</a:t>
+            </a:r>
+          </a:p>
+          <a:p>
+            <a:pPr>
+              <a:buFont typeface="Wingdings" panose="05000000000000000000" pitchFamily="2" charset="2"/>
+              <a:buChar char="v"/>
+            </a:pPr>
+            <a:r>
+              <a:rPr lang="en-US" sz="1800" dirty="0">
+                <a:solidFill>
+                  <a:srgbClr val="FFFFFF"/>
+                </a:solidFill>
+                <a:latin typeface="SegoeUI"/>
+              </a:rPr>
+              <a:t>Class time: watch class time and also highlight the class time.</a:t>
+            </a:r>
+          </a:p>
+          <a:p>
+            <a:pPr>
+              <a:buFont typeface="Wingdings" panose="05000000000000000000" pitchFamily="2" charset="2"/>
+              <a:buChar char="v"/>
+            </a:pPr>
+            <a:r>
+              <a:rPr lang="en-US" sz="1800" b="0" i="0" u="none" strike="noStrike" baseline="0" dirty="0">
+                <a:solidFill>
+                  <a:srgbClr val="FFFFFF"/>
+                </a:solidFill>
+                <a:latin typeface="SegoeUI"/>
+              </a:rPr>
+              <a:t>Add class</a:t>
+            </a:r>
+            <a:r>
+              <a:rPr lang="en-US" sz="1800" dirty="0">
+                <a:solidFill>
+                  <a:srgbClr val="FFFFFF"/>
+                </a:solidFill>
+                <a:latin typeface="SegoeUI"/>
+              </a:rPr>
+              <a:t>mates: Student can be add of his/ her classmates.</a:t>
+            </a:r>
+            <a:endParaRPr lang="en-US" sz="1800" dirty="0">
+              <a:solidFill>
+                <a:schemeClr val="bg1"/>
+              </a:solidFill>
+            </a:endParaRPr>
+          </a:p>
+          <a:p>
+            <a:pPr>
+              <a:buFont typeface="Wingdings" panose="05000000000000000000" pitchFamily="2" charset="2"/>
+              <a:buChar char="v"/>
+            </a:pPr>
+            <a:r>
+              <a:rPr lang="en-US" sz="1800" dirty="0">
+                <a:solidFill>
+                  <a:schemeClr val="bg1"/>
+                </a:solidFill>
+              </a:rPr>
+              <a:t>Attendance: count attendance, missing class number etc.</a:t>
+            </a:r>
+          </a:p>
+          <a:p>
+            <a:pPr>
+              <a:buFont typeface="Wingdings" panose="05000000000000000000" pitchFamily="2" charset="2"/>
+              <a:buChar char="v"/>
+            </a:pPr>
+            <a:r>
+              <a:rPr lang="en-US" sz="1800" dirty="0">
+                <a:solidFill>
+                  <a:schemeClr val="bg1"/>
+                </a:solidFill>
+              </a:rPr>
+              <a:t>Student register: Every student must be registered and have an unique id that is need to access for LMS.</a:t>
+            </a:r>
+          </a:p>
+          <a:p>
+            <a:pPr>
+              <a:buFont typeface="Wingdings" panose="05000000000000000000" pitchFamily="2" charset="2"/>
+              <a:buChar char="v"/>
+            </a:pPr>
+            <a:r>
+              <a:rPr lang="en-US" sz="1800" dirty="0">
+                <a:solidFill>
+                  <a:schemeClr val="bg1"/>
+                </a:solidFill>
+              </a:rPr>
+              <a:t>Resource: All types of resource like slides, docs and pdf etc. get from function.</a:t>
+            </a:r>
+          </a:p>
+          <a:p>
+            <a:pPr marL="0" indent="0">
+              <a:buNone/>
+            </a:pPr>
+            <a:endParaRPr lang="en-US" sz="1800" dirty="0"/>
+          </a:p>
+        </p:txBody>
+      </p:sp>
+    </p:spTree>
+    <p:extLst>
+      <p:ext uri="{BB962C8B-B14F-4D97-AF65-F5344CB8AC3E}">
+        <p14:creationId xmlns:p14="http://schemas.microsoft.com/office/powerpoint/2010/main" val="925777433"/>
+      </p:ext>
+    </p:extLst>
   </p:cSld>
   <p:clrMapOvr>
     <a:masterClrMapping/>

--- a/Documention/Group project proposal/Presentation.pptx
+++ b/Documention/Group project proposal/Presentation.pptx
@@ -14828,18 +14828,81 @@
             </a:endParaRPr>
           </a:p>
           <a:p>
+            <a:pPr marL="0" marR="0">
+              <a:lnSpc>
+                <a:spcPct val="106000"/>
+              </a:lnSpc>
+              <a:spcBef>
+                <a:spcPts val="0"/>
+              </a:spcBef>
+              <a:spcAft>
+                <a:spcPts val="0"/>
+              </a:spcAft>
+            </a:pPr>
+            <a:r>
+              <a:rPr lang="en-US" sz="1800" dirty="0">
+                <a:effectLst/>
+                <a:latin typeface="Times New Roman" panose="02020603050405020304" pitchFamily="18" charset="0"/>
+                <a:ea typeface="Times New Roman" panose="02020603050405020304" pitchFamily="18" charset="0"/>
+              </a:rPr>
+              <a:t>courses: In this function institution will assign courses to the instructor, students and can </a:t>
+            </a:r>
+          </a:p>
+          <a:p>
+            <a:pPr marL="0" marR="0">
+              <a:lnSpc>
+                <a:spcPct val="106000"/>
+              </a:lnSpc>
+              <a:spcBef>
+                <a:spcPts val="0"/>
+              </a:spcBef>
+              <a:spcAft>
+                <a:spcPts val="0"/>
+              </a:spcAft>
+            </a:pPr>
+            <a:r>
+              <a:rPr lang="en-US" sz="1800" dirty="0">
+                <a:effectLst/>
+                <a:latin typeface="Times New Roman" panose="02020603050405020304" pitchFamily="18" charset="0"/>
+                <a:ea typeface="Times New Roman" panose="02020603050405020304" pitchFamily="18" charset="0"/>
+              </a:rPr>
+              <a:t>Can manage all courses and </a:t>
+            </a:r>
+            <a:r>
+              <a:rPr lang="en-US" sz="1800" dirty="0" err="1">
+                <a:effectLst/>
+                <a:latin typeface="Times New Roman" panose="02020603050405020304" pitchFamily="18" charset="0"/>
+                <a:ea typeface="Times New Roman" panose="02020603050405020304" pitchFamily="18" charset="0"/>
+              </a:rPr>
+              <a:t>theris</a:t>
+            </a:r>
+            <a:r>
+              <a:rPr lang="en-US" sz="1800">
+                <a:effectLst/>
+                <a:latin typeface="Times New Roman" panose="02020603050405020304" pitchFamily="18" charset="0"/>
+                <a:ea typeface="Times New Roman" panose="02020603050405020304" pitchFamily="18" charset="0"/>
+              </a:rPr>
+              <a:t> section and time also.</a:t>
+            </a:r>
+          </a:p>
+          <a:p>
             <a:pPr>
               <a:buFont typeface="Wingdings" panose="05000000000000000000" pitchFamily="2" charset="2"/>
               <a:buChar char="v"/>
             </a:pPr>
             <a:r>
-              <a:rPr lang="en-US" sz="1800" dirty="0">
+              <a:rPr lang="en-US" sz="1800">
                 <a:solidFill>
                   <a:schemeClr val="bg1"/>
                 </a:solidFill>
               </a:rPr>
-              <a:t>Class work: Student can see of his class work.</a:t>
+              <a:t>.</a:t>
             </a:r>
+            <a:endParaRPr lang="en-US" sz="1800" dirty="0">
+              <a:solidFill>
+                <a:schemeClr val="bg1"/>
+              </a:solidFill>
+            </a:endParaRPr>
           </a:p>
           <a:p>
             <a:pPr>

--- a/Documention/Group project proposal/Presentation.pptx
+++ b/Documention/Group project proposal/Presentation.pptx
@@ -5,16 +5,17 @@
     <p:sldMasterId id="2147483678" r:id="rId1"/>
   </p:sldMasterIdLst>
   <p:notesMasterIdLst>
-    <p:notesMasterId r:id="rId9"/>
+    <p:notesMasterId r:id="rId10"/>
   </p:notesMasterIdLst>
   <p:sldIdLst>
     <p:sldId id="258" r:id="rId2"/>
     <p:sldId id="257" r:id="rId3"/>
     <p:sldId id="256" r:id="rId4"/>
     <p:sldId id="263" r:id="rId5"/>
-    <p:sldId id="262" r:id="rId6"/>
-    <p:sldId id="261" r:id="rId7"/>
-    <p:sldId id="264" r:id="rId8"/>
+    <p:sldId id="264" r:id="rId6"/>
+    <p:sldId id="262" r:id="rId7"/>
+    <p:sldId id="265" r:id="rId8"/>
+    <p:sldId id="261" r:id="rId9"/>
   </p:sldIdLst>
   <p:sldSz cx="12192000" cy="6858000"/>
   <p:notesSz cx="6858000" cy="9144000"/>
@@ -6361,8 +6362,10 @@
                 <a:solidFill>
                   <a:schemeClr val="bg1"/>
                 </a:solidFill>
+                <a:latin typeface="Arial" panose="020B0604020202020204" pitchFamily="34" charset="0"/>
+                <a:cs typeface="Arial" panose="020B0604020202020204" pitchFamily="34" charset="0"/>
               </a:rPr>
-              <a:t>Student</a:t>
+              <a:t>Institute</a:t>
             </a:r>
             <a:r>
               <a:rPr lang="en-US" dirty="0"/>
@@ -6417,18 +6420,81 @@
             </a:endParaRPr>
           </a:p>
           <a:p>
+            <a:pPr marL="0" marR="0">
+              <a:lnSpc>
+                <a:spcPct val="106000"/>
+              </a:lnSpc>
+              <a:spcBef>
+                <a:spcPts val="0"/>
+              </a:spcBef>
+              <a:spcAft>
+                <a:spcPts val="0"/>
+              </a:spcAft>
+            </a:pPr>
+            <a:r>
+              <a:rPr lang="en-US" sz="1800" dirty="0">
+                <a:effectLst/>
+                <a:latin typeface="Times New Roman" panose="02020603050405020304" pitchFamily="18" charset="0"/>
+                <a:ea typeface="Times New Roman" panose="02020603050405020304" pitchFamily="18" charset="0"/>
+              </a:rPr>
+              <a:t>courses: In this function institution will assign courses to the instructor, students and can </a:t>
+            </a:r>
+          </a:p>
+          <a:p>
+            <a:pPr marL="0" marR="0">
+              <a:lnSpc>
+                <a:spcPct val="106000"/>
+              </a:lnSpc>
+              <a:spcBef>
+                <a:spcPts val="0"/>
+              </a:spcBef>
+              <a:spcAft>
+                <a:spcPts val="0"/>
+              </a:spcAft>
+            </a:pPr>
+            <a:r>
+              <a:rPr lang="en-US" sz="1800" dirty="0">
+                <a:effectLst/>
+                <a:latin typeface="Times New Roman" panose="02020603050405020304" pitchFamily="18" charset="0"/>
+                <a:ea typeface="Times New Roman" panose="02020603050405020304" pitchFamily="18" charset="0"/>
+              </a:rPr>
+              <a:t>Can manage all courses and </a:t>
+            </a:r>
+            <a:r>
+              <a:rPr lang="en-US" sz="1800" dirty="0" err="1">
+                <a:effectLst/>
+                <a:latin typeface="Times New Roman" panose="02020603050405020304" pitchFamily="18" charset="0"/>
+                <a:ea typeface="Times New Roman" panose="02020603050405020304" pitchFamily="18" charset="0"/>
+              </a:rPr>
+              <a:t>theris</a:t>
+            </a:r>
+            <a:r>
+              <a:rPr lang="en-US" sz="1800">
+                <a:effectLst/>
+                <a:latin typeface="Times New Roman" panose="02020603050405020304" pitchFamily="18" charset="0"/>
+                <a:ea typeface="Times New Roman" panose="02020603050405020304" pitchFamily="18" charset="0"/>
+              </a:rPr>
+              <a:t> section and time also.</a:t>
+            </a:r>
+          </a:p>
+          <a:p>
             <a:pPr>
               <a:buFont typeface="Wingdings" panose="05000000000000000000" pitchFamily="2" charset="2"/>
               <a:buChar char="v"/>
             </a:pPr>
             <a:r>
-              <a:rPr lang="en-US" sz="1800" dirty="0">
+              <a:rPr lang="en-US" sz="1800">
                 <a:solidFill>
                   <a:schemeClr val="bg1"/>
                 </a:solidFill>
               </a:rPr>
-              <a:t>Class work: Student can see of his class work.</a:t>
+              <a:t>.</a:t>
             </a:r>
+            <a:endParaRPr lang="en-US" sz="1800" dirty="0">
+              <a:solidFill>
+                <a:schemeClr val="bg1"/>
+              </a:solidFill>
+            </a:endParaRPr>
           </a:p>
           <a:p>
             <a:pPr>
@@ -6602,6 +6668,315 @@
     </p:spTree>
     <p:extLst>
       <p:ext uri="{BB962C8B-B14F-4D97-AF65-F5344CB8AC3E}">
+        <p14:creationId xmlns:p14="http://schemas.microsoft.com/office/powerpoint/2010/main" val="925777433"/>
+      </p:ext>
+    </p:extLst>
+  </p:cSld>
+  <p:clrMapOvr>
+    <a:masterClrMapping/>
+  </p:clrMapOvr>
+</p:sld>
+</file>
+
+<file path=ppt/slides/slide6.xml><?xml version="1.0" encoding="utf-8"?>
+<p:sld xmlns:a="http://schemas.openxmlformats.org/drawingml/2006/main" xmlns:r="http://schemas.openxmlformats.org/officeDocument/2006/relationships" xmlns:p="http://schemas.openxmlformats.org/presentationml/2006/main">
+  <p:cSld>
+    <p:bg>
+      <p:bgPr>
+        <a:solidFill>
+          <a:schemeClr val="accent1">
+            <a:lumMod val="75000"/>
+          </a:schemeClr>
+        </a:solidFill>
+        <a:effectLst/>
+      </p:bgPr>
+    </p:bg>
+    <p:spTree>
+      <p:nvGrpSpPr>
+        <p:cNvPr id="1" name=""/>
+        <p:cNvGrpSpPr/>
+        <p:nvPr/>
+      </p:nvGrpSpPr>
+      <p:grpSpPr>
+        <a:xfrm>
+          <a:off x="0" y="0"/>
+          <a:ext cx="0" cy="0"/>
+          <a:chOff x="0" y="0"/>
+          <a:chExt cx="0" cy="0"/>
+        </a:xfrm>
+      </p:grpSpPr>
+      <p:sp>
+        <p:nvSpPr>
+          <p:cNvPr id="2" name="Title 1">
+            <a:extLst>
+              <a:ext uri="{FF2B5EF4-FFF2-40B4-BE49-F238E27FC236}">
+                <a16:creationId xmlns:a16="http://schemas.microsoft.com/office/drawing/2014/main" id="{61B3DB64-F483-4AAC-BFC2-12A36A3C3BFE}"/>
+              </a:ext>
+            </a:extLst>
+          </p:cNvPr>
+          <p:cNvSpPr>
+            <a:spLocks noGrp="1"/>
+          </p:cNvSpPr>
+          <p:nvPr>
+            <p:ph type="title"/>
+          </p:nvPr>
+        </p:nvSpPr>
+        <p:spPr>
+          <a:xfrm>
+            <a:off x="0" y="0"/>
+            <a:ext cx="12192000" cy="1400530"/>
+          </a:xfrm>
+        </p:spPr>
+        <p:txBody>
+          <a:bodyPr/>
+          <a:lstStyle/>
+          <a:p>
+            <a:r>
+              <a:rPr lang="en-US">
+                <a:solidFill>
+                  <a:schemeClr val="bg1"/>
+                </a:solidFill>
+              </a:rPr>
+              <a:t>Teacher</a:t>
+            </a:r>
+            <a:r>
+              <a:rPr lang="en-US"/>
+              <a:t> </a:t>
+            </a:r>
+            <a:r>
+              <a:rPr lang="en-US" dirty="0">
+                <a:solidFill>
+                  <a:schemeClr val="bg1"/>
+                </a:solidFill>
+              </a:rPr>
+              <a:t>Functions:</a:t>
+            </a:r>
+          </a:p>
+        </p:txBody>
+      </p:sp>
+      <p:sp>
+        <p:nvSpPr>
+          <p:cNvPr id="3" name="Content Placeholder 2">
+            <a:extLst>
+              <a:ext uri="{FF2B5EF4-FFF2-40B4-BE49-F238E27FC236}">
+                <a16:creationId xmlns:a16="http://schemas.microsoft.com/office/drawing/2014/main" id="{4045C6E0-45B3-499B-933A-D0A4378C19CF}"/>
+              </a:ext>
+            </a:extLst>
+          </p:cNvPr>
+          <p:cNvSpPr>
+            <a:spLocks noGrp="1"/>
+          </p:cNvSpPr>
+          <p:nvPr>
+            <p:ph idx="1"/>
+          </p:nvPr>
+        </p:nvSpPr>
+        <p:spPr>
+          <a:xfrm>
+            <a:off x="919065" y="881330"/>
+            <a:ext cx="10353869" cy="5976670"/>
+          </a:xfrm>
+        </p:spPr>
+        <p:txBody>
+          <a:bodyPr>
+            <a:normAutofit/>
+          </a:bodyPr>
+          <a:lstStyle/>
+          <a:p>
+            <a:pPr marL="0" indent="0">
+              <a:buNone/>
+            </a:pPr>
+            <a:endParaRPr lang="en-US" sz="1800" dirty="0">
+              <a:solidFill>
+                <a:schemeClr val="bg1"/>
+              </a:solidFill>
+            </a:endParaRPr>
+          </a:p>
+          <a:p>
+            <a:pPr>
+              <a:buFont typeface="Wingdings" panose="05000000000000000000" pitchFamily="2" charset="2"/>
+              <a:buChar char="v"/>
+            </a:pPr>
+            <a:r>
+              <a:rPr lang="en-US" sz="1800" dirty="0">
+                <a:solidFill>
+                  <a:schemeClr val="bg1"/>
+                </a:solidFill>
+              </a:rPr>
+              <a:t>Class work: Student can see of his class work.</a:t>
+            </a:r>
+          </a:p>
+          <a:p>
+            <a:pPr>
+              <a:buFont typeface="Wingdings" panose="05000000000000000000" pitchFamily="2" charset="2"/>
+              <a:buChar char="v"/>
+            </a:pPr>
+            <a:r>
+              <a:rPr lang="en-US" sz="1800" b="0" i="0" u="none" strike="noStrike" baseline="0" dirty="0">
+                <a:solidFill>
+                  <a:srgbClr val="FFFFFF"/>
+                </a:solidFill>
+                <a:latin typeface="SegoeUI"/>
+              </a:rPr>
+              <a:t>Notifications: Basically this </a:t>
+            </a:r>
+            <a:r>
+              <a:rPr lang="en-US" sz="1800" dirty="0">
+                <a:solidFill>
+                  <a:srgbClr val="FFFFFF"/>
+                </a:solidFill>
+                <a:latin typeface="SegoeUI"/>
+              </a:rPr>
+              <a:t>function for class work notifications.</a:t>
+            </a:r>
+            <a:endParaRPr lang="en-US" sz="1800" b="0" i="0" u="none" strike="noStrike" baseline="0" dirty="0">
+              <a:solidFill>
+                <a:srgbClr val="FFFFFF"/>
+              </a:solidFill>
+              <a:latin typeface="SegoeUI"/>
+            </a:endParaRPr>
+          </a:p>
+          <a:p>
+            <a:pPr>
+              <a:buFont typeface="Wingdings" panose="05000000000000000000" pitchFamily="2" charset="2"/>
+              <a:buChar char="v"/>
+            </a:pPr>
+            <a:r>
+              <a:rPr lang="en-US" sz="1800" b="0" i="0" u="none" strike="noStrike" baseline="0" dirty="0">
+                <a:solidFill>
+                  <a:srgbClr val="FFFFFF"/>
+                </a:solidFill>
+                <a:latin typeface="SegoeUI"/>
+              </a:rPr>
+              <a:t>Course List: this function use for check course list.</a:t>
+            </a:r>
+          </a:p>
+          <a:p>
+            <a:pPr>
+              <a:buFont typeface="Wingdings" panose="05000000000000000000" pitchFamily="2" charset="2"/>
+              <a:buChar char="v"/>
+            </a:pPr>
+            <a:r>
+              <a:rPr lang="en-US" sz="1800" dirty="0">
+                <a:solidFill>
+                  <a:srgbClr val="FFFFFF"/>
+                </a:solidFill>
+                <a:latin typeface="SegoeUI"/>
+              </a:rPr>
+              <a:t>Advising: to take course.</a:t>
+            </a:r>
+          </a:p>
+          <a:p>
+            <a:pPr>
+              <a:buFont typeface="Wingdings" panose="05000000000000000000" pitchFamily="2" charset="2"/>
+              <a:buChar char="v"/>
+            </a:pPr>
+            <a:r>
+              <a:rPr lang="en-US" sz="1800" b="0" i="0" u="none" strike="noStrike" baseline="0" dirty="0">
+                <a:solidFill>
+                  <a:srgbClr val="FFFFFF"/>
+                </a:solidFill>
+                <a:latin typeface="SegoeUI"/>
+              </a:rPr>
+              <a:t>Profile: Basic information get from this function.</a:t>
+            </a:r>
+          </a:p>
+          <a:p>
+            <a:pPr>
+              <a:buFont typeface="Wingdings" panose="05000000000000000000" pitchFamily="2" charset="2"/>
+              <a:buChar char="v"/>
+            </a:pPr>
+            <a:r>
+              <a:rPr lang="en-US" sz="1800" dirty="0">
+                <a:solidFill>
+                  <a:srgbClr val="FFFFFF"/>
+                </a:solidFill>
+                <a:latin typeface="SegoeUI"/>
+              </a:rPr>
+              <a:t>Class time: watch class time and also highlight the class time.</a:t>
+            </a:r>
+          </a:p>
+          <a:p>
+            <a:pPr>
+              <a:buFont typeface="Wingdings" panose="05000000000000000000" pitchFamily="2" charset="2"/>
+              <a:buChar char="v"/>
+            </a:pPr>
+            <a:r>
+              <a:rPr lang="en-US" sz="1800" b="0" i="0" u="none" strike="noStrike" baseline="0" dirty="0">
+                <a:solidFill>
+                  <a:srgbClr val="FFFFFF"/>
+                </a:solidFill>
+                <a:latin typeface="SegoeUI"/>
+              </a:rPr>
+              <a:t>Add class</a:t>
+            </a:r>
+            <a:r>
+              <a:rPr lang="en-US" sz="1800" dirty="0">
+                <a:solidFill>
+                  <a:srgbClr val="FFFFFF"/>
+                </a:solidFill>
+                <a:latin typeface="SegoeUI"/>
+              </a:rPr>
+              <a:t>mates: Student can be add of his/ her classmates.</a:t>
+            </a:r>
+            <a:endParaRPr lang="en-US" sz="1800" dirty="0">
+              <a:solidFill>
+                <a:schemeClr val="bg1"/>
+              </a:solidFill>
+            </a:endParaRPr>
+          </a:p>
+          <a:p>
+            <a:pPr>
+              <a:buFont typeface="Wingdings" panose="05000000000000000000" pitchFamily="2" charset="2"/>
+              <a:buChar char="v"/>
+            </a:pPr>
+            <a:r>
+              <a:rPr lang="en-US" sz="1800" dirty="0">
+                <a:solidFill>
+                  <a:schemeClr val="bg1"/>
+                </a:solidFill>
+              </a:rPr>
+              <a:t>Attendance: count attendance, missing class number etc.</a:t>
+            </a:r>
+          </a:p>
+          <a:p>
+            <a:pPr>
+              <a:buFont typeface="Wingdings" panose="05000000000000000000" pitchFamily="2" charset="2"/>
+              <a:buChar char="v"/>
+            </a:pPr>
+            <a:r>
+              <a:rPr lang="en-US" sz="1800" dirty="0">
+                <a:solidFill>
+                  <a:schemeClr val="bg1"/>
+                </a:solidFill>
+              </a:rPr>
+              <a:t>Student register: Every student must be registered and have an unique id that is need to access for LMS.</a:t>
+            </a:r>
+          </a:p>
+          <a:p>
+            <a:pPr>
+              <a:buFont typeface="Wingdings" panose="05000000000000000000" pitchFamily="2" charset="2"/>
+              <a:buChar char="v"/>
+            </a:pPr>
+            <a:r>
+              <a:rPr lang="en-US" sz="1800" dirty="0">
+                <a:solidFill>
+                  <a:schemeClr val="bg1"/>
+                </a:solidFill>
+              </a:rPr>
+              <a:t>Resource: All types of resource like slides, docs and pdf etc. get from function.</a:t>
+            </a:r>
+          </a:p>
+          <a:p>
+            <a:pPr marL="0" indent="0">
+              <a:buNone/>
+            </a:pPr>
+            <a:endParaRPr lang="en-US" sz="1800" dirty="0"/>
+          </a:p>
+        </p:txBody>
+      </p:sp>
+    </p:spTree>
+    <p:extLst>
+      <p:ext uri="{BB962C8B-B14F-4D97-AF65-F5344CB8AC3E}">
         <p14:creationId xmlns:p14="http://schemas.microsoft.com/office/powerpoint/2010/main" val="1481646063"/>
       </p:ext>
     </p:extLst>
@@ -6612,7 +6987,316 @@
 </p:sld>
 </file>
 
-<file path=ppt/slides/slide6.xml><?xml version="1.0" encoding="utf-8"?>
+<file path=ppt/slides/slide7.xml><?xml version="1.0" encoding="utf-8"?>
+<p:sld xmlns:a="http://schemas.openxmlformats.org/drawingml/2006/main" xmlns:r="http://schemas.openxmlformats.org/officeDocument/2006/relationships" xmlns:p="http://schemas.openxmlformats.org/presentationml/2006/main">
+  <p:cSld>
+    <p:bg>
+      <p:bgPr>
+        <a:solidFill>
+          <a:schemeClr val="accent1">
+            <a:lumMod val="75000"/>
+          </a:schemeClr>
+        </a:solidFill>
+        <a:effectLst/>
+      </p:bgPr>
+    </p:bg>
+    <p:spTree>
+      <p:nvGrpSpPr>
+        <p:cNvPr id="1" name=""/>
+        <p:cNvGrpSpPr/>
+        <p:nvPr/>
+      </p:nvGrpSpPr>
+      <p:grpSpPr>
+        <a:xfrm>
+          <a:off x="0" y="0"/>
+          <a:ext cx="0" cy="0"/>
+          <a:chOff x="0" y="0"/>
+          <a:chExt cx="0" cy="0"/>
+        </a:xfrm>
+      </p:grpSpPr>
+      <p:sp>
+        <p:nvSpPr>
+          <p:cNvPr id="2" name="Title 1">
+            <a:extLst>
+              <a:ext uri="{FF2B5EF4-FFF2-40B4-BE49-F238E27FC236}">
+                <a16:creationId xmlns:a16="http://schemas.microsoft.com/office/drawing/2014/main" id="{61B3DB64-F483-4AAC-BFC2-12A36A3C3BFE}"/>
+              </a:ext>
+            </a:extLst>
+          </p:cNvPr>
+          <p:cNvSpPr>
+            <a:spLocks noGrp="1"/>
+          </p:cNvSpPr>
+          <p:nvPr>
+            <p:ph type="title"/>
+          </p:nvPr>
+        </p:nvSpPr>
+        <p:spPr>
+          <a:xfrm>
+            <a:off x="0" y="0"/>
+            <a:ext cx="12192000" cy="1400530"/>
+          </a:xfrm>
+        </p:spPr>
+        <p:txBody>
+          <a:bodyPr/>
+          <a:lstStyle/>
+          <a:p>
+            <a:r>
+              <a:rPr lang="en-US" dirty="0">
+                <a:solidFill>
+                  <a:schemeClr val="bg1"/>
+                </a:solidFill>
+              </a:rPr>
+              <a:t>Student</a:t>
+            </a:r>
+            <a:r>
+              <a:rPr lang="en-US" dirty="0"/>
+              <a:t> </a:t>
+            </a:r>
+            <a:r>
+              <a:rPr lang="en-US" dirty="0">
+                <a:solidFill>
+                  <a:schemeClr val="bg1"/>
+                </a:solidFill>
+              </a:rPr>
+              <a:t>Functions:</a:t>
+            </a:r>
+          </a:p>
+        </p:txBody>
+      </p:sp>
+      <p:sp>
+        <p:nvSpPr>
+          <p:cNvPr id="3" name="Content Placeholder 2">
+            <a:extLst>
+              <a:ext uri="{FF2B5EF4-FFF2-40B4-BE49-F238E27FC236}">
+                <a16:creationId xmlns:a16="http://schemas.microsoft.com/office/drawing/2014/main" id="{4045C6E0-45B3-499B-933A-D0A4378C19CF}"/>
+              </a:ext>
+            </a:extLst>
+          </p:cNvPr>
+          <p:cNvSpPr>
+            <a:spLocks noGrp="1"/>
+          </p:cNvSpPr>
+          <p:nvPr>
+            <p:ph idx="1"/>
+          </p:nvPr>
+        </p:nvSpPr>
+        <p:spPr>
+          <a:xfrm>
+            <a:off x="919065" y="881330"/>
+            <a:ext cx="10353869" cy="5976670"/>
+          </a:xfrm>
+        </p:spPr>
+        <p:txBody>
+          <a:bodyPr>
+            <a:normAutofit/>
+          </a:bodyPr>
+          <a:lstStyle/>
+          <a:p>
+            <a:pPr marL="0" indent="0">
+              <a:buNone/>
+            </a:pPr>
+            <a:endParaRPr lang="en-US" sz="1800" dirty="0">
+              <a:solidFill>
+                <a:schemeClr val="bg1"/>
+              </a:solidFill>
+            </a:endParaRPr>
+          </a:p>
+          <a:p>
+            <a:pPr>
+              <a:buFont typeface="Wingdings" panose="05000000000000000000" pitchFamily="2" charset="2"/>
+              <a:buChar char="v"/>
+            </a:pPr>
+            <a:r>
+              <a:rPr lang="en-US" sz="1800" dirty="0">
+                <a:solidFill>
+                  <a:schemeClr val="bg1"/>
+                </a:solidFill>
+              </a:rPr>
+              <a:t>Class work: Student can see of his class work.</a:t>
+            </a:r>
+          </a:p>
+          <a:p>
+            <a:pPr>
+              <a:buFont typeface="Wingdings" panose="05000000000000000000" pitchFamily="2" charset="2"/>
+              <a:buChar char="v"/>
+            </a:pPr>
+            <a:r>
+              <a:rPr lang="en-US" sz="1800" b="0" i="0" u="none" strike="noStrike" baseline="0" dirty="0">
+                <a:solidFill>
+                  <a:srgbClr val="FFFFFF"/>
+                </a:solidFill>
+                <a:latin typeface="SegoeUI"/>
+              </a:rPr>
+              <a:t>Notifications: Basically this </a:t>
+            </a:r>
+            <a:r>
+              <a:rPr lang="en-US" sz="1800" dirty="0">
+                <a:solidFill>
+                  <a:srgbClr val="FFFFFF"/>
+                </a:solidFill>
+                <a:latin typeface="SegoeUI"/>
+              </a:rPr>
+              <a:t>function for class work notifications.</a:t>
+            </a:r>
+            <a:endParaRPr lang="en-US" sz="1800" b="0" i="0" u="none" strike="noStrike" baseline="0" dirty="0">
+              <a:solidFill>
+                <a:srgbClr val="FFFFFF"/>
+              </a:solidFill>
+              <a:latin typeface="SegoeUI"/>
+            </a:endParaRPr>
+          </a:p>
+          <a:p>
+            <a:pPr>
+              <a:buFont typeface="Wingdings" panose="05000000000000000000" pitchFamily="2" charset="2"/>
+              <a:buChar char="v"/>
+            </a:pPr>
+            <a:r>
+              <a:rPr lang="en-US" sz="1800" b="0" i="0" u="none" strike="noStrike" baseline="0" dirty="0">
+                <a:solidFill>
+                  <a:srgbClr val="FFFFFF"/>
+                </a:solidFill>
+                <a:latin typeface="SegoeUI"/>
+              </a:rPr>
+              <a:t>Course List: this function use for check course list.</a:t>
+            </a:r>
+          </a:p>
+          <a:p>
+            <a:pPr>
+              <a:buFont typeface="Wingdings" panose="05000000000000000000" pitchFamily="2" charset="2"/>
+              <a:buChar char="v"/>
+            </a:pPr>
+            <a:r>
+              <a:rPr lang="en-US" sz="1800" dirty="0">
+                <a:solidFill>
+                  <a:srgbClr val="FFFFFF"/>
+                </a:solidFill>
+                <a:latin typeface="SegoeUI"/>
+              </a:rPr>
+              <a:t>Advising: to take course.</a:t>
+            </a:r>
+          </a:p>
+          <a:p>
+            <a:pPr>
+              <a:buFont typeface="Wingdings" panose="05000000000000000000" pitchFamily="2" charset="2"/>
+              <a:buChar char="v"/>
+            </a:pPr>
+            <a:r>
+              <a:rPr lang="en-US" sz="1800" b="0" i="0" u="none" strike="noStrike" baseline="0" dirty="0">
+                <a:solidFill>
+                  <a:srgbClr val="FFFFFF"/>
+                </a:solidFill>
+                <a:latin typeface="SegoeUI"/>
+              </a:rPr>
+              <a:t>Profile: Basic information get from this function.</a:t>
+            </a:r>
+          </a:p>
+          <a:p>
+            <a:pPr>
+              <a:buFont typeface="Wingdings" panose="05000000000000000000" pitchFamily="2" charset="2"/>
+              <a:buChar char="v"/>
+            </a:pPr>
+            <a:r>
+              <a:rPr lang="en-US" sz="1800" dirty="0">
+                <a:solidFill>
+                  <a:srgbClr val="FFFFFF"/>
+                </a:solidFill>
+                <a:latin typeface="SegoeUI"/>
+              </a:rPr>
+              <a:t>Class time: watch class time and also highlight the class time.</a:t>
+            </a:r>
+          </a:p>
+          <a:p>
+            <a:pPr>
+              <a:buFont typeface="Wingdings" panose="05000000000000000000" pitchFamily="2" charset="2"/>
+              <a:buChar char="v"/>
+            </a:pPr>
+            <a:r>
+              <a:rPr lang="en-US" sz="1800" b="0" i="0" u="none" strike="noStrike" baseline="0" dirty="0">
+                <a:solidFill>
+                  <a:srgbClr val="FFFFFF"/>
+                </a:solidFill>
+                <a:latin typeface="SegoeUI"/>
+              </a:rPr>
+              <a:t>Add class</a:t>
+            </a:r>
+            <a:r>
+              <a:rPr lang="en-US" sz="1800" dirty="0">
+                <a:solidFill>
+                  <a:srgbClr val="FFFFFF"/>
+                </a:solidFill>
+                <a:latin typeface="SegoeUI"/>
+              </a:rPr>
+              <a:t>mates: Student can be add of his/ her classmates.</a:t>
+            </a:r>
+            <a:endParaRPr lang="en-US" sz="1800" dirty="0">
+              <a:solidFill>
+                <a:schemeClr val="bg1"/>
+              </a:solidFill>
+            </a:endParaRPr>
+          </a:p>
+          <a:p>
+            <a:pPr>
+              <a:buFont typeface="Wingdings" panose="05000000000000000000" pitchFamily="2" charset="2"/>
+              <a:buChar char="v"/>
+            </a:pPr>
+            <a:r>
+              <a:rPr lang="en-US" sz="1800" dirty="0">
+                <a:solidFill>
+                  <a:schemeClr val="bg1"/>
+                </a:solidFill>
+              </a:rPr>
+              <a:t>Attendance: count attendance, missing class number etc.</a:t>
+            </a:r>
+          </a:p>
+          <a:p>
+            <a:pPr>
+              <a:buFont typeface="Wingdings" panose="05000000000000000000" pitchFamily="2" charset="2"/>
+              <a:buChar char="v"/>
+            </a:pPr>
+            <a:r>
+              <a:rPr lang="en-US" sz="1800" dirty="0">
+                <a:solidFill>
+                  <a:schemeClr val="bg1"/>
+                </a:solidFill>
+              </a:rPr>
+              <a:t>Student register: Every student must be registered and have an unique id that is need to access for LMS.</a:t>
+            </a:r>
+          </a:p>
+          <a:p>
+            <a:pPr>
+              <a:buFont typeface="Wingdings" panose="05000000000000000000" pitchFamily="2" charset="2"/>
+              <a:buChar char="v"/>
+            </a:pPr>
+            <a:r>
+              <a:rPr lang="en-US" sz="1800" dirty="0">
+                <a:solidFill>
+                  <a:schemeClr val="bg1"/>
+                </a:solidFill>
+              </a:rPr>
+              <a:t>Resource: All types of resource like slides, docs and pdf etc. get from function.</a:t>
+            </a:r>
+          </a:p>
+          <a:p>
+            <a:pPr marL="0" indent="0">
+              <a:buNone/>
+            </a:pPr>
+            <a:endParaRPr lang="en-US" sz="1800" dirty="0"/>
+          </a:p>
+        </p:txBody>
+      </p:sp>
+    </p:spTree>
+    <p:extLst>
+      <p:ext uri="{BB962C8B-B14F-4D97-AF65-F5344CB8AC3E}">
+        <p14:creationId xmlns:p14="http://schemas.microsoft.com/office/powerpoint/2010/main" val="2346937949"/>
+      </p:ext>
+    </p:extLst>
+  </p:cSld>
+  <p:clrMapOvr>
+    <a:masterClrMapping/>
+  </p:clrMapOvr>
+</p:sld>
+</file>
+
+<file path=ppt/slides/slide8.xml><?xml version="1.0" encoding="utf-8"?>
 <p:sld xmlns:a="http://schemas.openxmlformats.org/drawingml/2006/main" xmlns:r="http://schemas.openxmlformats.org/officeDocument/2006/relationships" xmlns:p="http://schemas.openxmlformats.org/presentationml/2006/main">
   <p:cSld>
     <p:spTree>
@@ -14707,378 +15391,6 @@
         </p:txBody>
       </p:sp>
     </p:spTree>
-  </p:cSld>
-  <p:clrMapOvr>
-    <a:masterClrMapping/>
-  </p:clrMapOvr>
-</p:sld>
-</file>
-
-<file path=ppt/slides/slide7.xml><?xml version="1.0" encoding="utf-8"?>
-<p:sld xmlns:a="http://schemas.openxmlformats.org/drawingml/2006/main" xmlns:r="http://schemas.openxmlformats.org/officeDocument/2006/relationships" xmlns:p="http://schemas.openxmlformats.org/presentationml/2006/main">
-  <p:cSld>
-    <p:bg>
-      <p:bgPr>
-        <a:solidFill>
-          <a:schemeClr val="accent1"/>
-        </a:solidFill>
-        <a:effectLst/>
-      </p:bgPr>
-    </p:bg>
-    <p:spTree>
-      <p:nvGrpSpPr>
-        <p:cNvPr id="1" name=""/>
-        <p:cNvGrpSpPr/>
-        <p:nvPr/>
-      </p:nvGrpSpPr>
-      <p:grpSpPr>
-        <a:xfrm>
-          <a:off x="0" y="0"/>
-          <a:ext cx="0" cy="0"/>
-          <a:chOff x="0" y="0"/>
-          <a:chExt cx="0" cy="0"/>
-        </a:xfrm>
-      </p:grpSpPr>
-      <p:sp>
-        <p:nvSpPr>
-          <p:cNvPr id="2" name="Title 1">
-            <a:extLst>
-              <a:ext uri="{FF2B5EF4-FFF2-40B4-BE49-F238E27FC236}">
-                <a16:creationId xmlns:a16="http://schemas.microsoft.com/office/drawing/2014/main" id="{61B3DB64-F483-4AAC-BFC2-12A36A3C3BFE}"/>
-              </a:ext>
-            </a:extLst>
-          </p:cNvPr>
-          <p:cNvSpPr>
-            <a:spLocks noGrp="1"/>
-          </p:cNvSpPr>
-          <p:nvPr>
-            <p:ph type="title"/>
-          </p:nvPr>
-        </p:nvSpPr>
-        <p:spPr>
-          <a:xfrm>
-            <a:off x="0" y="0"/>
-            <a:ext cx="12192000" cy="1400530"/>
-          </a:xfrm>
-        </p:spPr>
-        <p:txBody>
-          <a:bodyPr/>
-          <a:lstStyle/>
-          <a:p>
-            <a:r>
-              <a:rPr lang="en-US" dirty="0">
-                <a:solidFill>
-                  <a:schemeClr val="bg1"/>
-                </a:solidFill>
-                <a:latin typeface="Arial" panose="020B0604020202020204" pitchFamily="34" charset="0"/>
-                <a:cs typeface="Arial" panose="020B0604020202020204" pitchFamily="34" charset="0"/>
-              </a:rPr>
-              <a:t>Institute</a:t>
-            </a:r>
-            <a:r>
-              <a:rPr lang="en-US" dirty="0"/>
-              <a:t> </a:t>
-            </a:r>
-            <a:r>
-              <a:rPr lang="en-US" dirty="0">
-                <a:solidFill>
-                  <a:schemeClr val="bg1"/>
-                </a:solidFill>
-              </a:rPr>
-              <a:t>Functions:</a:t>
-            </a:r>
-          </a:p>
-        </p:txBody>
-      </p:sp>
-      <p:sp>
-        <p:nvSpPr>
-          <p:cNvPr id="3" name="Content Placeholder 2">
-            <a:extLst>
-              <a:ext uri="{FF2B5EF4-FFF2-40B4-BE49-F238E27FC236}">
-                <a16:creationId xmlns:a16="http://schemas.microsoft.com/office/drawing/2014/main" id="{4045C6E0-45B3-499B-933A-D0A4378C19CF}"/>
-              </a:ext>
-            </a:extLst>
-          </p:cNvPr>
-          <p:cNvSpPr>
-            <a:spLocks noGrp="1"/>
-          </p:cNvSpPr>
-          <p:nvPr>
-            <p:ph idx="1"/>
-          </p:nvPr>
-        </p:nvSpPr>
-        <p:spPr>
-          <a:xfrm>
-            <a:off x="919065" y="881330"/>
-            <a:ext cx="10353869" cy="5976670"/>
-          </a:xfrm>
-        </p:spPr>
-        <p:txBody>
-          <a:bodyPr>
-            <a:normAutofit/>
-          </a:bodyPr>
-          <a:lstStyle/>
-          <a:p>
-            <a:pPr marL="0" indent="0">
-              <a:buNone/>
-            </a:pPr>
-            <a:endParaRPr lang="en-US" sz="1800" dirty="0">
-              <a:solidFill>
-                <a:schemeClr val="bg1"/>
-              </a:solidFill>
-            </a:endParaRPr>
-          </a:p>
-          <a:p>
-            <a:pPr marL="0" marR="0">
-              <a:lnSpc>
-                <a:spcPct val="106000"/>
-              </a:lnSpc>
-              <a:spcBef>
-                <a:spcPts val="0"/>
-              </a:spcBef>
-              <a:spcAft>
-                <a:spcPts val="0"/>
-              </a:spcAft>
-            </a:pPr>
-            <a:r>
-              <a:rPr lang="en-US" sz="1800" dirty="0">
-                <a:effectLst/>
-                <a:latin typeface="Times New Roman" panose="02020603050405020304" pitchFamily="18" charset="0"/>
-                <a:ea typeface="Times New Roman" panose="02020603050405020304" pitchFamily="18" charset="0"/>
-              </a:rPr>
-              <a:t>courses: In this function institution will assign courses to the instructor, students and can </a:t>
-            </a:r>
-          </a:p>
-          <a:p>
-            <a:pPr marL="0" marR="0">
-              <a:lnSpc>
-                <a:spcPct val="106000"/>
-              </a:lnSpc>
-              <a:spcBef>
-                <a:spcPts val="0"/>
-              </a:spcBef>
-              <a:spcAft>
-                <a:spcPts val="0"/>
-              </a:spcAft>
-            </a:pPr>
-            <a:r>
-              <a:rPr lang="en-US" sz="1800" dirty="0">
-                <a:effectLst/>
-                <a:latin typeface="Times New Roman" panose="02020603050405020304" pitchFamily="18" charset="0"/>
-                <a:ea typeface="Times New Roman" panose="02020603050405020304" pitchFamily="18" charset="0"/>
-              </a:rPr>
-              <a:t>Can manage all courses and </a:t>
-            </a:r>
-            <a:r>
-              <a:rPr lang="en-US" sz="1800" dirty="0" err="1">
-                <a:effectLst/>
-                <a:latin typeface="Times New Roman" panose="02020603050405020304" pitchFamily="18" charset="0"/>
-                <a:ea typeface="Times New Roman" panose="02020603050405020304" pitchFamily="18" charset="0"/>
-              </a:rPr>
-              <a:t>theris</a:t>
-            </a:r>
-            <a:r>
-              <a:rPr lang="en-US" sz="1800">
-                <a:effectLst/>
-                <a:latin typeface="Times New Roman" panose="02020603050405020304" pitchFamily="18" charset="0"/>
-                <a:ea typeface="Times New Roman" panose="02020603050405020304" pitchFamily="18" charset="0"/>
-              </a:rPr>
-              <a:t> section and time also.</a:t>
-            </a:r>
-          </a:p>
-          <a:p>
-            <a:pPr>
-              <a:buFont typeface="Wingdings" panose="05000000000000000000" pitchFamily="2" charset="2"/>
-              <a:buChar char="v"/>
-            </a:pPr>
-            <a:r>
-              <a:rPr lang="en-US" sz="1800">
-                <a:solidFill>
-                  <a:schemeClr val="bg1"/>
-                </a:solidFill>
-              </a:rPr>
-              <a:t>.</a:t>
-            </a:r>
-            <a:endParaRPr lang="en-US" sz="1800" dirty="0">
-              <a:solidFill>
-                <a:schemeClr val="bg1"/>
-              </a:solidFill>
-            </a:endParaRPr>
-          </a:p>
-          <a:p>
-            <a:pPr>
-              <a:buFont typeface="Wingdings" panose="05000000000000000000" pitchFamily="2" charset="2"/>
-              <a:buChar char="v"/>
-            </a:pPr>
-            <a:r>
-              <a:rPr lang="en-US" sz="1800" b="0" i="0" u="none" strike="noStrike" baseline="0" dirty="0">
-                <a:solidFill>
-                  <a:srgbClr val="FFFFFF"/>
-                </a:solidFill>
-                <a:latin typeface="SegoeUI"/>
-              </a:rPr>
-              <a:t>Notifications: Basically this </a:t>
-            </a:r>
-            <a:r>
-              <a:rPr lang="en-US" sz="1800" dirty="0">
-                <a:solidFill>
-                  <a:srgbClr val="FFFFFF"/>
-                </a:solidFill>
-                <a:latin typeface="SegoeUI"/>
-              </a:rPr>
-              <a:t>function for class work notifications.</a:t>
-            </a:r>
-            <a:endParaRPr lang="en-US" sz="1800" b="0" i="0" u="none" strike="noStrike" baseline="0" dirty="0">
-              <a:solidFill>
-                <a:srgbClr val="FFFFFF"/>
-              </a:solidFill>
-              <a:latin typeface="SegoeUI"/>
-            </a:endParaRPr>
-          </a:p>
-          <a:p>
-            <a:pPr>
-              <a:buFont typeface="Wingdings" panose="05000000000000000000" pitchFamily="2" charset="2"/>
-              <a:buChar char="v"/>
-            </a:pPr>
-            <a:r>
-              <a:rPr lang="en-US" sz="1800" b="0" i="0" u="none" strike="noStrike" baseline="0" dirty="0">
-                <a:solidFill>
-                  <a:srgbClr val="FFFFFF"/>
-                </a:solidFill>
-                <a:latin typeface="SegoeUI"/>
-              </a:rPr>
-              <a:t>Course List: this function use for check course list.</a:t>
-            </a:r>
-          </a:p>
-          <a:p>
-            <a:pPr>
-              <a:buFont typeface="Wingdings" panose="05000000000000000000" pitchFamily="2" charset="2"/>
-              <a:buChar char="v"/>
-            </a:pPr>
-            <a:r>
-              <a:rPr lang="en-US" sz="1800" dirty="0">
-                <a:solidFill>
-                  <a:srgbClr val="FFFFFF"/>
-                </a:solidFill>
-                <a:latin typeface="SegoeUI"/>
-              </a:rPr>
-              <a:t>Advising: to take course.</a:t>
-            </a:r>
-          </a:p>
-          <a:p>
-            <a:pPr>
-              <a:buFont typeface="Wingdings" panose="05000000000000000000" pitchFamily="2" charset="2"/>
-              <a:buChar char="v"/>
-            </a:pPr>
-            <a:r>
-              <a:rPr lang="en-US" sz="1800" b="0" i="0" u="none" strike="noStrike" baseline="0" dirty="0">
-                <a:solidFill>
-                  <a:srgbClr val="FFFFFF"/>
-                </a:solidFill>
-                <a:latin typeface="SegoeUI"/>
-              </a:rPr>
-              <a:t>Profile: Basic information get from this function.</a:t>
-            </a:r>
-          </a:p>
-          <a:p>
-            <a:pPr>
-              <a:buFont typeface="Wingdings" panose="05000000000000000000" pitchFamily="2" charset="2"/>
-              <a:buChar char="v"/>
-            </a:pPr>
-            <a:r>
-              <a:rPr lang="en-US" sz="1800" dirty="0">
-                <a:solidFill>
-                  <a:srgbClr val="FFFFFF"/>
-                </a:solidFill>
-                <a:latin typeface="SegoeUI"/>
-              </a:rPr>
-              <a:t>Class time: watch class time and also highlight the class time.</a:t>
-            </a:r>
-          </a:p>
-          <a:p>
-            <a:pPr>
-              <a:buFont typeface="Wingdings" panose="05000000000000000000" pitchFamily="2" charset="2"/>
-              <a:buChar char="v"/>
-            </a:pPr>
-            <a:r>
-              <a:rPr lang="en-US" sz="1800" b="0" i="0" u="none" strike="noStrike" baseline="0" dirty="0">
-                <a:solidFill>
-                  <a:srgbClr val="FFFFFF"/>
-                </a:solidFill>
-                <a:latin typeface="SegoeUI"/>
-              </a:rPr>
-              <a:t>Add class</a:t>
-            </a:r>
-            <a:r>
-              <a:rPr lang="en-US" sz="1800" dirty="0">
-                <a:solidFill>
-                  <a:srgbClr val="FFFFFF"/>
-                </a:solidFill>
-                <a:latin typeface="SegoeUI"/>
-              </a:rPr>
-              <a:t>mates: Student can be add of his/ her classmates.</a:t>
-            </a:r>
-            <a:endParaRPr lang="en-US" sz="1800" dirty="0">
-              <a:solidFill>
-                <a:schemeClr val="bg1"/>
-              </a:solidFill>
-            </a:endParaRPr>
-          </a:p>
-          <a:p>
-            <a:pPr>
-              <a:buFont typeface="Wingdings" panose="05000000000000000000" pitchFamily="2" charset="2"/>
-              <a:buChar char="v"/>
-            </a:pPr>
-            <a:r>
-              <a:rPr lang="en-US" sz="1800" dirty="0">
-                <a:solidFill>
-                  <a:schemeClr val="bg1"/>
-                </a:solidFill>
-              </a:rPr>
-              <a:t>Attendance: count attendance, missing class number etc.</a:t>
-            </a:r>
-          </a:p>
-          <a:p>
-            <a:pPr>
-              <a:buFont typeface="Wingdings" panose="05000000000000000000" pitchFamily="2" charset="2"/>
-              <a:buChar char="v"/>
-            </a:pPr>
-            <a:r>
-              <a:rPr lang="en-US" sz="1800" dirty="0">
-                <a:solidFill>
-                  <a:schemeClr val="bg1"/>
-                </a:solidFill>
-              </a:rPr>
-              <a:t>Student register: Every student must be registered and have an unique id that is need to access for LMS.</a:t>
-            </a:r>
-          </a:p>
-          <a:p>
-            <a:pPr>
-              <a:buFont typeface="Wingdings" panose="05000000000000000000" pitchFamily="2" charset="2"/>
-              <a:buChar char="v"/>
-            </a:pPr>
-            <a:r>
-              <a:rPr lang="en-US" sz="1800" dirty="0">
-                <a:solidFill>
-                  <a:schemeClr val="bg1"/>
-                </a:solidFill>
-              </a:rPr>
-              <a:t>Resource: All types of resource like slides, docs and pdf etc. get from function.</a:t>
-            </a:r>
-          </a:p>
-          <a:p>
-            <a:pPr marL="0" indent="0">
-              <a:buNone/>
-            </a:pPr>
-            <a:endParaRPr lang="en-US" sz="1800" dirty="0"/>
-          </a:p>
-        </p:txBody>
-      </p:sp>
-    </p:spTree>
-    <p:extLst>
-      <p:ext uri="{BB962C8B-B14F-4D97-AF65-F5344CB8AC3E}">
-        <p14:creationId xmlns:p14="http://schemas.microsoft.com/office/powerpoint/2010/main" val="925777433"/>
-      </p:ext>
-    </p:extLst>
   </p:cSld>
   <p:clrMapOvr>
     <a:masterClrMapping/>

--- a/Documention/Group project proposal/Presentation.pptx
+++ b/Documention/Group project proposal/Presentation.pptx
@@ -6410,17 +6410,7 @@
           </a:bodyPr>
           <a:lstStyle/>
           <a:p>
-            <a:pPr marL="0" indent="0">
-              <a:buNone/>
-            </a:pPr>
-            <a:endParaRPr lang="en-US" sz="1800" dirty="0">
-              <a:solidFill>
-                <a:schemeClr val="bg1"/>
-              </a:solidFill>
-            </a:endParaRPr>
-          </a:p>
-          <a:p>
-            <a:pPr marL="0" marR="0">
+            <a:pPr marL="0" marR="0" indent="0">
               <a:lnSpc>
                 <a:spcPct val="106000"/>
               </a:lnSpc>
@@ -6430,52 +6420,13 @@
               <a:spcAft>
                 <a:spcPts val="0"/>
               </a:spcAft>
+              <a:buNone/>
             </a:pPr>
-            <a:r>
-              <a:rPr lang="en-US" sz="1800" dirty="0">
-                <a:effectLst/>
-                <a:latin typeface="Times New Roman" panose="02020603050405020304" pitchFamily="18" charset="0"/>
-                <a:ea typeface="Times New Roman" panose="02020603050405020304" pitchFamily="18" charset="0"/>
-              </a:rPr>
-              <a:t>courses: In this function institution will assign courses to the instructor, students and can </a:t>
-            </a:r>
-          </a:p>
-          <a:p>
-            <a:pPr marL="0" marR="0">
-              <a:lnSpc>
-                <a:spcPct val="106000"/>
-              </a:lnSpc>
-              <a:spcBef>
-                <a:spcPts val="0"/>
-              </a:spcBef>
-              <a:spcAft>
-                <a:spcPts val="0"/>
-              </a:spcAft>
-            </a:pPr>
-            <a:r>
-              <a:rPr lang="en-US" sz="1800" dirty="0">
-                <a:effectLst/>
-                <a:latin typeface="Times New Roman" panose="02020603050405020304" pitchFamily="18" charset="0"/>
-                <a:ea typeface="Times New Roman" panose="02020603050405020304" pitchFamily="18" charset="0"/>
-              </a:rPr>
-              <a:t>Can manage all courses and </a:t>
-            </a:r>
-            <a:r>
-              <a:rPr lang="en-US" sz="1800" dirty="0" err="1">
-                <a:effectLst/>
-                <a:latin typeface="Times New Roman" panose="02020603050405020304" pitchFamily="18" charset="0"/>
-                <a:ea typeface="Times New Roman" panose="02020603050405020304" pitchFamily="18" charset="0"/>
-              </a:rPr>
-              <a:t>theris</a:t>
-            </a:r>
-            <a:r>
-              <a:rPr lang="en-US" sz="1800">
-                <a:effectLst/>
-                <a:latin typeface="Times New Roman" panose="02020603050405020304" pitchFamily="18" charset="0"/>
-                <a:ea typeface="Times New Roman" panose="02020603050405020304" pitchFamily="18" charset="0"/>
-              </a:rPr>
-              <a:t> section and time also.</a:t>
-            </a:r>
+            <a:endParaRPr lang="en-US" sz="1800" dirty="0">
+              <a:effectLst/>
+              <a:latin typeface="Times New Roman" panose="02020603050405020304" pitchFamily="18" charset="0"/>
+              <a:ea typeface="Times New Roman" panose="02020603050405020304" pitchFamily="18" charset="0"/>
+            </a:endParaRPr>
           </a:p>
           <a:p>
             <a:pPr>
@@ -6483,18 +6434,13 @@
               <a:buChar char="v"/>
             </a:pPr>
             <a:r>
-              <a:rPr lang="en-US" sz="1800">
+              <a:rPr lang="en-US" sz="1800" dirty="0">
                 <a:solidFill>
                   <a:schemeClr val="bg1"/>
                 </a:solidFill>
               </a:rPr>
-              <a:t>.</a:t>
+              <a:t>Dashboard:</a:t>
             </a:r>
-            <a:endParaRPr lang="en-US" sz="1800" dirty="0">
-              <a:solidFill>
-                <a:schemeClr val="bg1"/>
-              </a:solidFill>
-            </a:endParaRPr>
           </a:p>
           <a:p>
             <a:pPr>
@@ -6508,7 +6454,7 @@
                 </a:solidFill>
                 <a:latin typeface="SegoeUI"/>
               </a:rPr>
-              <a:t>Notifications: Basically this </a:t>
+              <a:t>My Courses: Basically this </a:t>
             </a:r>
             <a:r>
               <a:rPr lang="en-US" sz="1800" dirty="0">
@@ -6532,13 +6478,22 @@
               <a:buChar char="v"/>
             </a:pPr>
             <a:r>
+              <a:rPr lang="en-US" sz="1800" dirty="0">
+                <a:solidFill>
+                  <a:srgbClr val="FFFFFF"/>
+                </a:solidFill>
+                <a:latin typeface="SegoeUI"/>
+              </a:rPr>
+              <a:t>Class</a:t>
+            </a:r>
+            <a:r>
               <a:rPr lang="en-US" sz="1800" b="0" i="0" u="none" strike="noStrike" baseline="0" dirty="0">
                 <a:solidFill>
                   <a:srgbClr val="FFFFFF"/>
                 </a:solidFill>
                 <a:latin typeface="SegoeUI"/>
               </a:rPr>
-              <a:t>Course List: this function use for check course list.</a:t>
+              <a:t> Time: this function use for check course list.</a:t>
             </a:r>
           </a:p>
           <a:p>
@@ -6553,7 +6508,7 @@
                 </a:solidFill>
                 <a:latin typeface="SegoeUI"/>
               </a:rPr>
-              <a:t>Advising: to take course.</a:t>
+              <a:t>Assign Work: to take course.</a:t>
             </a:r>
           </a:p>
           <a:p>

--- a/Documention/Group project proposal/Presentation.pptx
+++ b/Documention/Group project proposal/Presentation.pptx
@@ -6728,7 +6728,7 @@
         <p:spPr>
           <a:xfrm>
             <a:off x="919065" y="881330"/>
-            <a:ext cx="10353869" cy="5976670"/>
+            <a:ext cx="11272935" cy="5976670"/>
           </a:xfrm>
         </p:spPr>
         <p:txBody>
@@ -6757,7 +6757,85 @@
                   <a:schemeClr val="bg1"/>
                 </a:solidFill>
               </a:rPr>
-              <a:t>Class work: Student can see of his class work.</a:t>
+              <a:t>My Courses: In this function instructor can see which courses and sections he is taking in a particular semester.</a:t>
+            </a:r>
+          </a:p>
+          <a:p>
+            <a:pPr>
+              <a:buFont typeface="Wingdings" panose="05000000000000000000" pitchFamily="2" charset="2"/>
+              <a:buChar char="v"/>
+            </a:pPr>
+            <a:r>
+              <a:rPr lang="en-US" sz="1800" dirty="0">
+                <a:solidFill>
+                  <a:srgbClr val="FFFFFF"/>
+                </a:solidFill>
+                <a:latin typeface="SegoeUI"/>
+              </a:rPr>
+              <a:t>Class time</a:t>
+            </a:r>
+            <a:r>
+              <a:rPr lang="en-US" sz="1800" b="0" i="0" u="none" strike="noStrike" baseline="0" dirty="0">
+                <a:solidFill>
+                  <a:srgbClr val="FFFFFF"/>
+                </a:solidFill>
+                <a:latin typeface="SegoeUI"/>
+              </a:rPr>
+              <a:t>: Here instructor can watch his class timing with weekly days</a:t>
+            </a:r>
+            <a:r>
+              <a:rPr lang="en-US" sz="1800" dirty="0">
+                <a:solidFill>
+                  <a:srgbClr val="FFFFFF"/>
+                </a:solidFill>
+                <a:latin typeface="SegoeUI"/>
+              </a:rPr>
+              <a:t>.</a:t>
+            </a:r>
+            <a:endParaRPr lang="en-US" sz="1800" b="0" i="0" u="none" strike="noStrike" baseline="0" dirty="0">
+              <a:solidFill>
+                <a:srgbClr val="FFFFFF"/>
+              </a:solidFill>
+              <a:latin typeface="SegoeUI"/>
+            </a:endParaRPr>
+          </a:p>
+          <a:p>
+            <a:pPr>
+              <a:buFont typeface="Wingdings" panose="05000000000000000000" pitchFamily="2" charset="2"/>
+              <a:buChar char="v"/>
+            </a:pPr>
+            <a:r>
+              <a:rPr lang="en-US" sz="1800" dirty="0">
+                <a:solidFill>
+                  <a:srgbClr val="FFFFFF"/>
+                </a:solidFill>
+                <a:latin typeface="SegoeUI"/>
+              </a:rPr>
+              <a:t>Manual attendance</a:t>
+            </a:r>
+            <a:r>
+              <a:rPr lang="en-US" sz="1800" b="0" i="0" u="none" strike="noStrike" baseline="0" dirty="0">
+                <a:solidFill>
+                  <a:srgbClr val="FFFFFF"/>
+                </a:solidFill>
+                <a:latin typeface="SegoeUI"/>
+              </a:rPr>
+              <a:t>: This function will allow to take attendance manually and see the total present and absent student number.</a:t>
+            </a:r>
+          </a:p>
+          <a:p>
+            <a:pPr>
+              <a:buFont typeface="Wingdings" panose="05000000000000000000" pitchFamily="2" charset="2"/>
+              <a:buChar char="v"/>
+            </a:pPr>
+            <a:r>
+              <a:rPr lang="en-US" sz="1800" dirty="0">
+                <a:solidFill>
+                  <a:srgbClr val="FFFFFF"/>
+                </a:solidFill>
+                <a:latin typeface="SegoeUI"/>
+              </a:rPr>
+              <a:t>Notification: Here the system will show all kind of notification for the instructor.</a:t>
             </a:r>
           </a:p>
           <a:p>
@@ -6772,37 +6850,7 @@
                 </a:solidFill>
                 <a:latin typeface="SegoeUI"/>
               </a:rPr>
-              <a:t>Notifications: Basically this </a:t>
-            </a:r>
-            <a:r>
-              <a:rPr lang="en-US" sz="1800" dirty="0">
-                <a:solidFill>
-                  <a:srgbClr val="FFFFFF"/>
-                </a:solidFill>
-                <a:latin typeface="SegoeUI"/>
-              </a:rPr>
-              <a:t>function for class work notifications.</a:t>
-            </a:r>
-            <a:endParaRPr lang="en-US" sz="1800" b="0" i="0" u="none" strike="noStrike" baseline="0" dirty="0">
-              <a:solidFill>
-                <a:srgbClr val="FFFFFF"/>
-              </a:solidFill>
-              <a:latin typeface="SegoeUI"/>
-            </a:endParaRPr>
-          </a:p>
-          <a:p>
-            <a:pPr>
-              <a:buFont typeface="Wingdings" panose="05000000000000000000" pitchFamily="2" charset="2"/>
-              <a:buChar char="v"/>
-            </a:pPr>
-            <a:r>
-              <a:rPr lang="en-US" sz="1800" b="0" i="0" u="none" strike="noStrike" baseline="0" dirty="0">
-                <a:solidFill>
-                  <a:srgbClr val="FFFFFF"/>
-                </a:solidFill>
-                <a:latin typeface="SegoeUI"/>
-              </a:rPr>
-              <a:t>Course List: this function use for check course list.</a:t>
+              <a:t>Sent notification: From here instructor can send any kind of notification to the students.</a:t>
             </a:r>
           </a:p>
           <a:p>
@@ -6817,22 +6865,7 @@
                 </a:solidFill>
                 <a:latin typeface="SegoeUI"/>
               </a:rPr>
-              <a:t>Advising: to take course.</a:t>
-            </a:r>
-          </a:p>
-          <a:p>
-            <a:pPr>
-              <a:buFont typeface="Wingdings" panose="05000000000000000000" pitchFamily="2" charset="2"/>
-              <a:buChar char="v"/>
-            </a:pPr>
-            <a:r>
-              <a:rPr lang="en-US" sz="1800" b="0" i="0" u="none" strike="noStrike" baseline="0" dirty="0">
-                <a:solidFill>
-                  <a:srgbClr val="FFFFFF"/>
-                </a:solidFill>
-                <a:latin typeface="SegoeUI"/>
-              </a:rPr>
-              <a:t>Profile: Basic information get from this function.</a:t>
+              <a:t>Upload grade: This function will give instructor upload grade features for all the students in his particular course section.</a:t>
             </a:r>
           </a:p>
           <a:p>
@@ -6847,22 +6880,16 @@
                 </a:solidFill>
                 <a:latin typeface="SegoeUI"/>
               </a:rPr>
-              <a:t>Class time: watch class time and also highlight the class time.</a:t>
+              <a:t>Assign work: Here instructor can assign any kind of </a:t>
             </a:r>
-          </a:p>
-          <a:p>
-            <a:pPr>
-              <a:buFont typeface="Wingdings" panose="05000000000000000000" pitchFamily="2" charset="2"/>
-              <a:buChar char="v"/>
-            </a:pPr>
             <a:r>
-              <a:rPr lang="en-US" sz="1800" b="0" i="0" u="none" strike="noStrike" baseline="0" dirty="0">
+              <a:rPr lang="en-US" sz="1800" dirty="0" err="1">
                 <a:solidFill>
                   <a:srgbClr val="FFFFFF"/>
                 </a:solidFill>
                 <a:latin typeface="SegoeUI"/>
               </a:rPr>
-              <a:t>Add class</a:t>
+              <a:t>cw</a:t>
             </a:r>
             <a:r>
               <a:rPr lang="en-US" sz="1800" dirty="0">
@@ -6871,7 +6898,25 @@
                 </a:solidFill>
                 <a:latin typeface="SegoeUI"/>
               </a:rPr>
-              <a:t>mates: Student can be add of his/ her classmates.</a:t>
+              <a:t> and </a:t>
+            </a:r>
+            <a:r>
+              <a:rPr lang="en-US" sz="1800" dirty="0" err="1">
+                <a:solidFill>
+                  <a:srgbClr val="FFFFFF"/>
+                </a:solidFill>
+                <a:latin typeface="SegoeUI"/>
+              </a:rPr>
+              <a:t>hw</a:t>
+            </a:r>
+            <a:r>
+              <a:rPr lang="en-US" sz="1800" dirty="0">
+                <a:solidFill>
+                  <a:srgbClr val="FFFFFF"/>
+                </a:solidFill>
+                <a:latin typeface="SegoeUI"/>
+              </a:rPr>
+              <a:t> for students.</a:t>
             </a:r>
             <a:endParaRPr lang="en-US" sz="1800" dirty="0">
               <a:solidFill>
@@ -6890,7 +6935,7 @@
                   <a:schemeClr val="bg1"/>
                 </a:solidFill>
               </a:rPr>
-              <a:t>Attendance: count attendance, missing class number etc.</a:t>
+              <a:t>Upload file: Here instructor can upload any kind of reading materials.</a:t>
             </a:r>
           </a:p>
           <a:p>
@@ -6904,7 +6949,7 @@
                   <a:schemeClr val="bg1"/>
                 </a:solidFill>
               </a:rPr>
-              <a:t>Student register: Every student must be registered and have an unique id that is need to access for LMS.</a:t>
+              <a:t>View assignment: In this function instructor can view the submission, late submission or missing assignment with name and id of the student.</a:t>
             </a:r>
           </a:p>
           <a:p>
@@ -6918,7 +6963,35 @@
                   <a:schemeClr val="bg1"/>
                 </a:solidFill>
               </a:rPr>
-              <a:t>Resource: All types of resource like slides, docs and pdf etc. get from function.</a:t>
+              <a:t>My profile: This function will show details about the instructor.</a:t>
+            </a:r>
+          </a:p>
+          <a:p>
+            <a:pPr>
+              <a:buFont typeface="Wingdings" panose="05000000000000000000" pitchFamily="2" charset="2"/>
+              <a:buChar char="v"/>
+            </a:pPr>
+            <a:r>
+              <a:rPr lang="en-US" sz="1800" dirty="0">
+                <a:solidFill>
+                  <a:schemeClr val="bg1"/>
+                </a:solidFill>
+              </a:rPr>
+              <a:t>Offer course time: This feature will allow the instructor to set his preferable time for the course to the institution.</a:t>
+            </a:r>
+          </a:p>
+          <a:p>
+            <a:pPr>
+              <a:buFont typeface="Wingdings" panose="05000000000000000000" pitchFamily="2" charset="2"/>
+              <a:buChar char="v"/>
+            </a:pPr>
+            <a:r>
+              <a:rPr lang="en-US" sz="1800" dirty="0">
+                <a:solidFill>
+                  <a:schemeClr val="bg1"/>
+                </a:solidFill>
+              </a:rPr>
+              <a:t>Dashboard: It’s show the particular day’s classes, recent class work, recent notifications.</a:t>
             </a:r>
           </a:p>
           <a:p>

--- a/Documention/Group project proposal/Presentation.pptx
+++ b/Documention/Group project proposal/Presentation.pptx
@@ -6123,12 +6123,20 @@
               <a:buChar char="v"/>
             </a:pPr>
             <a:r>
+              <a:rPr lang="en-US" sz="1800" b="1" dirty="0">
+                <a:solidFill>
+                  <a:schemeClr val="bg1"/>
+                </a:solidFill>
+              </a:rPr>
+              <a:t>Dashboard</a:t>
+            </a:r>
+            <a:r>
               <a:rPr lang="en-US" sz="1800" dirty="0">
                 <a:solidFill>
                   <a:schemeClr val="bg1"/>
                 </a:solidFill>
               </a:rPr>
-              <a:t>Dashboard: Student can see of his class work.</a:t>
+              <a:t>: Student can see of his class work.</a:t>
             </a:r>
           </a:p>
           <a:p>
@@ -6136,6 +6144,15 @@
               <a:buFont typeface="Wingdings" panose="05000000000000000000" pitchFamily="2" charset="2"/>
               <a:buChar char="v"/>
             </a:pPr>
+            <a:r>
+              <a:rPr lang="en-US" sz="1800" b="1" i="0" u="none" strike="noStrike" baseline="0" dirty="0">
+                <a:solidFill>
+                  <a:srgbClr val="FFFFFF"/>
+                </a:solidFill>
+                <a:latin typeface="SegoeUI"/>
+              </a:rPr>
+              <a:t>Institutions</a:t>
+            </a:r>
             <a:r>
               <a:rPr lang="en-US" sz="1800" b="0" i="0" u="none" strike="noStrike" baseline="0" dirty="0">
                 <a:solidFill>
@@ -6143,7 +6160,7 @@
                 </a:solidFill>
                 <a:latin typeface="SegoeUI"/>
               </a:rPr>
-              <a:t>Institutions: Basically this </a:t>
+              <a:t>: Basically this </a:t>
             </a:r>
             <a:r>
               <a:rPr lang="en-US" sz="1800" dirty="0">
@@ -6167,13 +6184,22 @@
               <a:buChar char="v"/>
             </a:pPr>
             <a:r>
+              <a:rPr lang="en-US" sz="1800" b="1" i="0" u="none" strike="noStrike" baseline="0" dirty="0">
+                <a:solidFill>
+                  <a:srgbClr val="FFFFFF"/>
+                </a:solidFill>
+                <a:latin typeface="SegoeUI"/>
+              </a:rPr>
+              <a:t>Packages</a:t>
+            </a:r>
+            <a:r>
               <a:rPr lang="en-US" sz="1800" b="0" i="0" u="none" strike="noStrike" baseline="0" dirty="0">
                 <a:solidFill>
                   <a:srgbClr val="FFFFFF"/>
                 </a:solidFill>
                 <a:latin typeface="SegoeUI"/>
               </a:rPr>
-              <a:t>Packages: this function use for check course list.</a:t>
+              <a:t>: this function use for check course list.</a:t>
             </a:r>
           </a:p>
           <a:p>
@@ -6181,6 +6207,15 @@
               <a:buFont typeface="Wingdings" panose="05000000000000000000" pitchFamily="2" charset="2"/>
               <a:buChar char="v"/>
             </a:pPr>
+            <a:r>
+              <a:rPr lang="en-US" sz="1800" b="1" dirty="0">
+                <a:solidFill>
+                  <a:srgbClr val="FFFFFF"/>
+                </a:solidFill>
+                <a:latin typeface="SegoeUI"/>
+              </a:rPr>
+              <a:t>Earnings</a:t>
+            </a:r>
             <a:r>
               <a:rPr lang="en-US" sz="1800" dirty="0">
                 <a:solidFill>
@@ -6188,7 +6223,7 @@
                 </a:solidFill>
                 <a:latin typeface="SegoeUI"/>
               </a:rPr>
-              <a:t>Earnings: to take course.</a:t>
+              <a:t>: to take course.</a:t>
             </a:r>
           </a:p>
           <a:p>
@@ -6196,6 +6231,15 @@
               <a:buFont typeface="Wingdings" panose="05000000000000000000" pitchFamily="2" charset="2"/>
               <a:buChar char="v"/>
             </a:pPr>
+            <a:r>
+              <a:rPr lang="en-US" sz="1800" b="1" i="0" u="none" strike="noStrike" baseline="0" dirty="0">
+                <a:solidFill>
+                  <a:srgbClr val="FFFFFF"/>
+                </a:solidFill>
+                <a:latin typeface="SegoeUI"/>
+              </a:rPr>
+              <a:t>Backup</a:t>
+            </a:r>
             <a:r>
               <a:rPr lang="en-US" sz="1800" b="0" i="0" u="none" strike="noStrike" baseline="0" dirty="0">
                 <a:solidFill>
@@ -6203,7 +6247,7 @@
                 </a:solidFill>
                 <a:latin typeface="SegoeUI"/>
               </a:rPr>
-              <a:t>Backup: Basic information get from this function.</a:t>
+              <a:t>: Basic information get from this function.</a:t>
             </a:r>
           </a:p>
           <a:p>
@@ -6211,6 +6255,15 @@
               <a:buFont typeface="Wingdings" panose="05000000000000000000" pitchFamily="2" charset="2"/>
               <a:buChar char="v"/>
             </a:pPr>
+            <a:r>
+              <a:rPr lang="en-US" sz="1800" b="1" dirty="0">
+                <a:solidFill>
+                  <a:srgbClr val="FFFFFF"/>
+                </a:solidFill>
+                <a:latin typeface="SegoeUI"/>
+              </a:rPr>
+              <a:t>Verify</a:t>
+            </a:r>
             <a:r>
               <a:rPr lang="en-US" sz="1800" dirty="0">
                 <a:solidFill>
@@ -6218,14 +6271,17 @@
                 </a:solidFill>
                 <a:latin typeface="SegoeUI"/>
               </a:rPr>
-              <a:t>Verify institutions: watch class time and also highlight the class time.</a:t>
-            </a:r>
-          </a:p>
-          <a:p>
-            <a:pPr>
-              <a:buFont typeface="Wingdings" panose="05000000000000000000" pitchFamily="2" charset="2"/>
-              <a:buChar char="v"/>
-            </a:pPr>
+              <a:t> </a:t>
+            </a:r>
+            <a:r>
+              <a:rPr lang="en-US" sz="1800" b="1" dirty="0">
+                <a:solidFill>
+                  <a:srgbClr val="FFFFFF"/>
+                </a:solidFill>
+                <a:latin typeface="SegoeUI"/>
+              </a:rPr>
+              <a:t>institutions</a:t>
+            </a:r>
             <a:r>
               <a:rPr lang="en-US" sz="1800" dirty="0">
                 <a:solidFill>
@@ -6233,7 +6289,31 @@
                 </a:solidFill>
                 <a:latin typeface="SegoeUI"/>
               </a:rPr>
-              <a:t>Profile: Student can be add of his/ her classmates.</a:t>
+              <a:t>: watch class time and also highlight the class time.</a:t>
+            </a:r>
+          </a:p>
+          <a:p>
+            <a:pPr>
+              <a:buFont typeface="Wingdings" panose="05000000000000000000" pitchFamily="2" charset="2"/>
+              <a:buChar char="v"/>
+            </a:pPr>
+            <a:r>
+              <a:rPr lang="en-US" sz="1800" b="1" dirty="0">
+                <a:solidFill>
+                  <a:srgbClr val="FFFFFF"/>
+                </a:solidFill>
+                <a:latin typeface="SegoeUI"/>
+              </a:rPr>
+              <a:t>Profile</a:t>
+            </a:r>
+            <a:r>
+              <a:rPr lang="en-US" sz="1800" dirty="0">
+                <a:solidFill>
+                  <a:srgbClr val="FFFFFF"/>
+                </a:solidFill>
+                <a:latin typeface="SegoeUI"/>
+              </a:rPr>
+              <a:t>: Student can be add of his/ her classmates.</a:t>
             </a:r>
             <a:endParaRPr lang="en-US" sz="1800" dirty="0">
               <a:solidFill>
@@ -6247,40 +6327,128 @@
               <a:buChar char="v"/>
             </a:pPr>
             <a:r>
+              <a:rPr lang="en-US" sz="1800" b="1" dirty="0">
+                <a:solidFill>
+                  <a:schemeClr val="bg1"/>
+                </a:solidFill>
+              </a:rPr>
+              <a:t>Font</a:t>
+            </a:r>
+            <a:r>
               <a:rPr lang="en-US" sz="1800" dirty="0">
                 <a:solidFill>
                   <a:schemeClr val="bg1"/>
                 </a:solidFill>
               </a:rPr>
-              <a:t>Font page content: count attendance, missing class number etc.</a:t>
-            </a:r>
-          </a:p>
-          <a:p>
-            <a:pPr>
-              <a:buFont typeface="Wingdings" panose="05000000000000000000" pitchFamily="2" charset="2"/>
-              <a:buChar char="v"/>
-            </a:pPr>
+              <a:t> </a:t>
+            </a:r>
+            <a:r>
+              <a:rPr lang="en-US" sz="1800" b="1" dirty="0">
+                <a:solidFill>
+                  <a:schemeClr val="bg1"/>
+                </a:solidFill>
+              </a:rPr>
+              <a:t>page</a:t>
+            </a:r>
             <a:r>
               <a:rPr lang="en-US" sz="1800" dirty="0">
                 <a:solidFill>
                   <a:schemeClr val="bg1"/>
                 </a:solidFill>
               </a:rPr>
-              <a:t>Font page notice: Every student must be registered and have an unique id that is need to access for LMS.</a:t>
-            </a:r>
-          </a:p>
-          <a:p>
-            <a:pPr>
-              <a:buFont typeface="Wingdings" panose="05000000000000000000" pitchFamily="2" charset="2"/>
-              <a:buChar char="v"/>
-            </a:pPr>
+              <a:t> </a:t>
+            </a:r>
+            <a:r>
+              <a:rPr lang="en-US" sz="1800" b="1" dirty="0">
+                <a:solidFill>
+                  <a:schemeClr val="bg1"/>
+                </a:solidFill>
+              </a:rPr>
+              <a:t>content</a:t>
+            </a:r>
             <a:r>
               <a:rPr lang="en-US" sz="1800" dirty="0">
                 <a:solidFill>
                   <a:schemeClr val="bg1"/>
                 </a:solidFill>
               </a:rPr>
-              <a:t>Log Out: All types of resource like slides, docs and pdf etc. get from function.</a:t>
+              <a:t>: count attendance, missing class number etc.</a:t>
+            </a:r>
+          </a:p>
+          <a:p>
+            <a:pPr>
+              <a:buFont typeface="Wingdings" panose="05000000000000000000" pitchFamily="2" charset="2"/>
+              <a:buChar char="v"/>
+            </a:pPr>
+            <a:r>
+              <a:rPr lang="en-US" sz="1800" b="1" dirty="0">
+                <a:solidFill>
+                  <a:schemeClr val="bg1"/>
+                </a:solidFill>
+              </a:rPr>
+              <a:t>Font</a:t>
+            </a:r>
+            <a:r>
+              <a:rPr lang="en-US" sz="1800" dirty="0">
+                <a:solidFill>
+                  <a:schemeClr val="bg1"/>
+                </a:solidFill>
+              </a:rPr>
+              <a:t> </a:t>
+            </a:r>
+            <a:r>
+              <a:rPr lang="en-US" sz="1800" b="1" dirty="0">
+                <a:solidFill>
+                  <a:schemeClr val="bg1"/>
+                </a:solidFill>
+              </a:rPr>
+              <a:t>page</a:t>
+            </a:r>
+            <a:r>
+              <a:rPr lang="en-US" sz="1800" dirty="0">
+                <a:solidFill>
+                  <a:schemeClr val="bg1"/>
+                </a:solidFill>
+              </a:rPr>
+              <a:t> </a:t>
+            </a:r>
+            <a:r>
+              <a:rPr lang="en-US" sz="1800" b="1" dirty="0">
+                <a:solidFill>
+                  <a:schemeClr val="bg1"/>
+                </a:solidFill>
+              </a:rPr>
+              <a:t>notice</a:t>
+            </a:r>
+            <a:r>
+              <a:rPr lang="en-US" sz="1800" dirty="0">
+                <a:solidFill>
+                  <a:schemeClr val="bg1"/>
+                </a:solidFill>
+              </a:rPr>
+              <a:t>: Every student must be registered and have an unique id that is need to access for LMS.</a:t>
+            </a:r>
+          </a:p>
+          <a:p>
+            <a:pPr>
+              <a:buFont typeface="Wingdings" panose="05000000000000000000" pitchFamily="2" charset="2"/>
+              <a:buChar char="v"/>
+            </a:pPr>
+            <a:r>
+              <a:rPr lang="en-US" sz="1800" b="1" dirty="0">
+                <a:solidFill>
+                  <a:schemeClr val="bg1"/>
+                </a:solidFill>
+              </a:rPr>
+              <a:t>Log Out</a:t>
+            </a:r>
+            <a:r>
+              <a:rPr lang="en-US" sz="1800" dirty="0">
+                <a:solidFill>
+                  <a:schemeClr val="bg1"/>
+                </a:solidFill>
+              </a:rPr>
+              <a:t>: All types of resource like slides, docs and pdf etc. get from function.</a:t>
             </a:r>
           </a:p>
           <a:p>
@@ -6362,10 +6530,8 @@
                 <a:solidFill>
                   <a:schemeClr val="bg1"/>
                 </a:solidFill>
-                <a:latin typeface="Arial" panose="020B0604020202020204" pitchFamily="34" charset="0"/>
-                <a:cs typeface="Arial" panose="020B0604020202020204" pitchFamily="34" charset="0"/>
               </a:rPr>
-              <a:t>Institute</a:t>
+              <a:t>Institution</a:t>
             </a:r>
             <a:r>
               <a:rPr lang="en-US" dirty="0"/>
@@ -6401,7 +6567,7 @@
         <p:spPr>
           <a:xfrm>
             <a:off x="919065" y="881330"/>
-            <a:ext cx="10353869" cy="5976670"/>
+            <a:ext cx="11272935" cy="5976670"/>
           </a:xfrm>
         </p:spPr>
         <p:txBody>
@@ -6410,22 +6576,13 @@
           </a:bodyPr>
           <a:lstStyle/>
           <a:p>
-            <a:pPr marL="0" marR="0" indent="0">
-              <a:lnSpc>
-                <a:spcPct val="106000"/>
-              </a:lnSpc>
-              <a:spcBef>
-                <a:spcPts val="0"/>
-              </a:spcBef>
-              <a:spcAft>
-                <a:spcPts val="0"/>
-              </a:spcAft>
+            <a:pPr marL="0" indent="0">
               <a:buNone/>
             </a:pPr>
             <a:endParaRPr lang="en-US" sz="1800" dirty="0">
-              <a:effectLst/>
-              <a:latin typeface="Times New Roman" panose="02020603050405020304" pitchFamily="18" charset="0"/>
-              <a:ea typeface="Times New Roman" panose="02020603050405020304" pitchFamily="18" charset="0"/>
+              <a:solidFill>
+                <a:schemeClr val="bg1"/>
+              </a:solidFill>
             </a:endParaRPr>
           </a:p>
           <a:p>
@@ -6433,13 +6590,173 @@
               <a:buFont typeface="Wingdings" panose="05000000000000000000" pitchFamily="2" charset="2"/>
               <a:buChar char="v"/>
             </a:pPr>
+            <a:r>
+              <a:rPr lang="en-US" sz="1800" b="1" dirty="0">
+                <a:solidFill>
+                  <a:srgbClr val="FFFFFF"/>
+                </a:solidFill>
+              </a:rPr>
+              <a:t>Courses</a:t>
+            </a:r>
+            <a:r>
+              <a:rPr lang="en-US" sz="1800" b="0" i="0" u="none" strike="noStrike" baseline="0" dirty="0">
+                <a:solidFill>
+                  <a:srgbClr val="FFFFFF"/>
+                </a:solidFill>
+              </a:rPr>
+              <a:t>: In this function institution will assign courses to the instructors, students and can manage all courses and theirs section and time also</a:t>
+            </a:r>
+            <a:r>
+              <a:rPr lang="en-US" sz="1800" dirty="0">
+                <a:solidFill>
+                  <a:srgbClr val="FFFFFF"/>
+                </a:solidFill>
+              </a:rPr>
+              <a:t>.</a:t>
+            </a:r>
+            <a:endParaRPr lang="en-US" sz="1800" b="0" i="0" u="none" strike="noStrike" baseline="0" dirty="0">
+              <a:solidFill>
+                <a:srgbClr val="FFFFFF"/>
+              </a:solidFill>
+            </a:endParaRPr>
+          </a:p>
+          <a:p>
+            <a:pPr>
+              <a:buFont typeface="Wingdings" panose="05000000000000000000" pitchFamily="2" charset="2"/>
+              <a:buChar char="v"/>
+            </a:pPr>
+            <a:r>
+              <a:rPr lang="en-US" sz="1800" b="1" i="0" u="none" strike="noStrike" baseline="0" dirty="0">
+                <a:solidFill>
+                  <a:srgbClr val="FFFFFF"/>
+                </a:solidFill>
+              </a:rPr>
+              <a:t>Faculty</a:t>
+            </a:r>
+            <a:r>
+              <a:rPr lang="en-US" sz="1800" b="0" i="0" u="none" strike="noStrike" baseline="0" dirty="0">
+                <a:solidFill>
+                  <a:srgbClr val="FFFFFF"/>
+                </a:solidFill>
+              </a:rPr>
+              <a:t>: Here institution can add faculty, delete faculty, modify faculty information.</a:t>
+            </a:r>
+          </a:p>
+          <a:p>
+            <a:pPr>
+              <a:buFont typeface="Wingdings" panose="05000000000000000000" pitchFamily="2" charset="2"/>
+              <a:buChar char="v"/>
+            </a:pPr>
+            <a:r>
+              <a:rPr lang="en-US" sz="1800" b="1" dirty="0">
+                <a:solidFill>
+                  <a:srgbClr val="FFFFFF"/>
+                </a:solidFill>
+              </a:rPr>
+              <a:t>Student</a:t>
+            </a:r>
+            <a:r>
+              <a:rPr lang="en-US" sz="1800" dirty="0">
+                <a:solidFill>
+                  <a:srgbClr val="FFFFFF"/>
+                </a:solidFill>
+              </a:rPr>
+              <a:t>: Here institution can add student, delete student, modify student information.</a:t>
+            </a:r>
+          </a:p>
+          <a:p>
+            <a:pPr>
+              <a:buFont typeface="Wingdings" panose="05000000000000000000" pitchFamily="2" charset="2"/>
+              <a:buChar char="v"/>
+            </a:pPr>
+            <a:r>
+              <a:rPr lang="en-US" sz="1800" b="1" dirty="0">
+                <a:solidFill>
+                  <a:srgbClr val="FFFFFF"/>
+                </a:solidFill>
+              </a:rPr>
+              <a:t>Sent notification</a:t>
+            </a:r>
+            <a:r>
+              <a:rPr lang="en-US" sz="1800" b="0" i="0" u="none" strike="noStrike" baseline="0" dirty="0">
+                <a:solidFill>
+                  <a:srgbClr val="FFFFFF"/>
+                </a:solidFill>
+              </a:rPr>
+              <a:t>: From here institution can notify all students and instructor or any particular student or instructor.</a:t>
+            </a:r>
+          </a:p>
+          <a:p>
+            <a:pPr>
+              <a:buFont typeface="Wingdings" panose="05000000000000000000" pitchFamily="2" charset="2"/>
+              <a:buChar char="v"/>
+            </a:pPr>
+            <a:r>
+              <a:rPr lang="en-US" sz="1800" b="1" dirty="0">
+                <a:solidFill>
+                  <a:srgbClr val="FFFFFF"/>
+                </a:solidFill>
+                <a:cs typeface="Calibri Light" panose="020F0302020204030204" pitchFamily="34" charset="0"/>
+              </a:rPr>
+              <a:t>Grade</a:t>
+            </a:r>
+            <a:r>
+              <a:rPr lang="en-US" sz="1800" dirty="0">
+                <a:solidFill>
+                  <a:srgbClr val="FFFFFF"/>
+                </a:solidFill>
+              </a:rPr>
+              <a:t>: This function will provide the grade of all student and institution can watch any particular students grade also.</a:t>
+            </a:r>
+          </a:p>
+          <a:p>
+            <a:pPr>
+              <a:buFont typeface="Wingdings" panose="05000000000000000000" pitchFamily="2" charset="2"/>
+              <a:buChar char="v"/>
+            </a:pPr>
+            <a:r>
+              <a:rPr lang="en-US" sz="1800" b="1" dirty="0">
+                <a:solidFill>
+                  <a:srgbClr val="FFFFFF"/>
+                </a:solidFill>
+                <a:cs typeface="Calibri" panose="020F0502020204030204" pitchFamily="34" charset="0"/>
+              </a:rPr>
+              <a:t>Assign courses</a:t>
+            </a:r>
+            <a:r>
+              <a:rPr lang="en-US" sz="1800" dirty="0">
+                <a:solidFill>
+                  <a:srgbClr val="FFFFFF"/>
+                </a:solidFill>
+              </a:rPr>
+              <a:t>: Here institution can assign any course to the student and instructors.</a:t>
+            </a:r>
+            <a:endParaRPr lang="en-US" sz="1800" dirty="0">
+              <a:solidFill>
+                <a:schemeClr val="bg1"/>
+              </a:solidFill>
+            </a:endParaRPr>
+          </a:p>
+          <a:p>
+            <a:pPr>
+              <a:buFont typeface="Wingdings" panose="05000000000000000000" pitchFamily="2" charset="2"/>
+              <a:buChar char="v"/>
+            </a:pPr>
+            <a:r>
+              <a:rPr lang="en-US" sz="1800" b="1" dirty="0">
+                <a:solidFill>
+                  <a:schemeClr val="bg1"/>
+                </a:solidFill>
+              </a:rPr>
+              <a:t>Advising rules</a:t>
+            </a:r>
             <a:r>
               <a:rPr lang="en-US" sz="1800" dirty="0">
                 <a:solidFill>
                   <a:schemeClr val="bg1"/>
                 </a:solidFill>
               </a:rPr>
-              <a:t>Dashboard:</a:t>
+              <a:t>: Here institution can set the rules of course registration.</a:t>
             </a:r>
           </a:p>
           <a:p>
@@ -6448,29 +6765,21 @@
               <a:buChar char="v"/>
             </a:pPr>
             <a:r>
-              <a:rPr lang="en-US" sz="1800" b="0" i="0" u="none" strike="noStrike" baseline="0" dirty="0">
+              <a:rPr lang="en-US" sz="1800" b="1" dirty="0">
                 <a:solidFill>
-                  <a:srgbClr val="FFFFFF"/>
+                  <a:schemeClr val="bg1"/>
                 </a:solidFill>
-                <a:latin typeface="SegoeUI"/>
               </a:rPr>
-              <a:t>My Courses: Basically this </a:t>
+              <a:t>Result backup</a:t>
             </a:r>
             <a:r>
               <a:rPr lang="en-US" sz="1800" dirty="0">
                 <a:solidFill>
-                  <a:srgbClr val="FFFFFF"/>
+                  <a:schemeClr val="bg1"/>
                 </a:solidFill>
-                <a:latin typeface="SegoeUI"/>
               </a:rPr>
-              <a:t>function for class work notifications.</a:t>
-            </a:r>
-            <a:endParaRPr lang="en-US" sz="1800" b="0" i="0" u="none" strike="noStrike" baseline="0" dirty="0">
-              <a:solidFill>
-                <a:srgbClr val="FFFFFF"/>
-              </a:solidFill>
-              <a:latin typeface="SegoeUI"/>
-            </a:endParaRPr>
+              <a:t>: Here institution will have backup for all results of every students.</a:t>
+            </a:r>
           </a:p>
           <a:p>
             <a:pPr>
@@ -6478,22 +6787,20 @@
               <a:buChar char="v"/>
             </a:pPr>
             <a:r>
+              <a:rPr lang="en-US" sz="1800" b="1" dirty="0">
+                <a:solidFill>
+                  <a:schemeClr val="bg1"/>
+                </a:solidFill>
+              </a:rPr>
+              <a:t>University profile</a:t>
+            </a:r>
+            <a:r>
               <a:rPr lang="en-US" sz="1800" dirty="0">
                 <a:solidFill>
-                  <a:srgbClr val="FFFFFF"/>
+                  <a:schemeClr val="bg1"/>
                 </a:solidFill>
-                <a:latin typeface="SegoeUI"/>
               </a:rPr>
-              <a:t>Class</a:t>
-            </a:r>
-            <a:r>
-              <a:rPr lang="en-US" sz="1800" b="0" i="0" u="none" strike="noStrike" baseline="0" dirty="0">
-                <a:solidFill>
-                  <a:srgbClr val="FFFFFF"/>
-                </a:solidFill>
-                <a:latin typeface="SegoeUI"/>
-              </a:rPr>
-              <a:t> Time: this function use for check course list.</a:t>
+              <a:t>: This function will show details of that institution which registered into the system.</a:t>
             </a:r>
           </a:p>
           <a:p>
@@ -6502,13 +6809,20 @@
               <a:buChar char="v"/>
             </a:pPr>
             <a:r>
+              <a:rPr lang="en-US" sz="1800" b="1" dirty="0">
+                <a:solidFill>
+                  <a:schemeClr val="bg1"/>
+                </a:solidFill>
+              </a:rPr>
+              <a:t>Add role</a:t>
+            </a:r>
+            <a:r>
               <a:rPr lang="en-US" sz="1800" dirty="0">
                 <a:solidFill>
-                  <a:srgbClr val="FFFFFF"/>
+                  <a:schemeClr val="bg1"/>
                 </a:solidFill>
-                <a:latin typeface="SegoeUI"/>
               </a:rPr>
-              <a:t>Assign Work: to take course.</a:t>
+              <a:t>: Here institution can assign the role for any instructor.</a:t>
             </a:r>
           </a:p>
           <a:p>
@@ -6517,13 +6831,20 @@
               <a:buChar char="v"/>
             </a:pPr>
             <a:r>
-              <a:rPr lang="en-US" sz="1800" b="0" i="0" u="none" strike="noStrike" baseline="0" dirty="0">
+              <a:rPr lang="en-US" sz="1800" b="1" dirty="0">
                 <a:solidFill>
-                  <a:srgbClr val="FFFFFF"/>
+                  <a:schemeClr val="bg1"/>
                 </a:solidFill>
-                <a:latin typeface="SegoeUI"/>
               </a:rPr>
-              <a:t>Profile: Basic information get from this function.</a:t>
+              <a:t>See offer course time</a:t>
+            </a:r>
+            <a:r>
+              <a:rPr lang="en-US" sz="1800" dirty="0">
+                <a:solidFill>
+                  <a:schemeClr val="bg1"/>
+                </a:solidFill>
+              </a:rPr>
+              <a:t>: Here institution can see the desired courses and their time of any student’s or instructor’s.</a:t>
             </a:r>
           </a:p>
           <a:p>
@@ -6532,85 +6853,34 @@
               <a:buChar char="v"/>
             </a:pPr>
             <a:r>
+              <a:rPr lang="en-US" sz="1800" b="1" dirty="0">
+                <a:solidFill>
+                  <a:schemeClr val="bg1"/>
+                </a:solidFill>
+              </a:rPr>
+              <a:t>Dashboard</a:t>
+            </a:r>
+            <a:r>
               <a:rPr lang="en-US" sz="1800" dirty="0">
                 <a:solidFill>
-                  <a:srgbClr val="FFFFFF"/>
+                  <a:schemeClr val="bg1"/>
                 </a:solidFill>
-                <a:latin typeface="SegoeUI"/>
               </a:rPr>
-              <a:t>Class time: watch class time and also highlight the class time.</a:t>
-            </a:r>
-          </a:p>
-          <a:p>
-            <a:pPr>
-              <a:buFont typeface="Wingdings" panose="05000000000000000000" pitchFamily="2" charset="2"/>
-              <a:buChar char="v"/>
-            </a:pPr>
-            <a:r>
-              <a:rPr lang="en-US" sz="1800" b="0" i="0" u="none" strike="noStrike" baseline="0" dirty="0">
+              <a:t>: It will show all students, courses and instructor under </a:t>
+            </a:r>
+            <a:r>
+              <a:rPr lang="en-US" sz="1800">
                 <a:solidFill>
-                  <a:srgbClr val="FFFFFF"/>
+                  <a:schemeClr val="bg1"/>
                 </a:solidFill>
-                <a:latin typeface="SegoeUI"/>
               </a:rPr>
-              <a:t>Add class</a:t>
-            </a:r>
-            <a:r>
-              <a:rPr lang="en-US" sz="1800" dirty="0">
-                <a:solidFill>
-                  <a:srgbClr val="FFFFFF"/>
-                </a:solidFill>
-                <a:latin typeface="SegoeUI"/>
-              </a:rPr>
-              <a:t>mates: Student can be add of his/ her classmates.</a:t>
+              <a:t>the institution.</a:t>
             </a:r>
             <a:endParaRPr lang="en-US" sz="1800" dirty="0">
               <a:solidFill>
                 <a:schemeClr val="bg1"/>
               </a:solidFill>
             </a:endParaRPr>
-          </a:p>
-          <a:p>
-            <a:pPr>
-              <a:buFont typeface="Wingdings" panose="05000000000000000000" pitchFamily="2" charset="2"/>
-              <a:buChar char="v"/>
-            </a:pPr>
-            <a:r>
-              <a:rPr lang="en-US" sz="1800" dirty="0">
-                <a:solidFill>
-                  <a:schemeClr val="bg1"/>
-                </a:solidFill>
-              </a:rPr>
-              <a:t>Attendance: count attendance, missing class number etc.</a:t>
-            </a:r>
-          </a:p>
-          <a:p>
-            <a:pPr>
-              <a:buFont typeface="Wingdings" panose="05000000000000000000" pitchFamily="2" charset="2"/>
-              <a:buChar char="v"/>
-            </a:pPr>
-            <a:r>
-              <a:rPr lang="en-US" sz="1800" dirty="0">
-                <a:solidFill>
-                  <a:schemeClr val="bg1"/>
-                </a:solidFill>
-              </a:rPr>
-              <a:t>Student register: Every student must be registered and have an unique id that is need to access for LMS.</a:t>
-            </a:r>
-          </a:p>
-          <a:p>
-            <a:pPr>
-              <a:buFont typeface="Wingdings" panose="05000000000000000000" pitchFamily="2" charset="2"/>
-              <a:buChar char="v"/>
-            </a:pPr>
-            <a:r>
-              <a:rPr lang="en-US" sz="1800" dirty="0">
-                <a:solidFill>
-                  <a:schemeClr val="bg1"/>
-                </a:solidFill>
-              </a:rPr>
-              <a:t>Resource: All types of resource like slides, docs and pdf etc. get from function.</a:t>
-            </a:r>
           </a:p>
           <a:p>
             <a:pPr marL="0" indent="0">
@@ -6687,7 +6957,7 @@
           <a:lstStyle/>
           <a:p>
             <a:r>
-              <a:rPr lang="en-US">
+              <a:rPr lang="en-US" dirty="0">
                 <a:solidFill>
                   <a:schemeClr val="bg1"/>
                 </a:solidFill>
@@ -6695,7 +6965,7 @@
               <a:t>Teacher</a:t>
             </a:r>
             <a:r>
-              <a:rPr lang="en-US"/>
+              <a:rPr lang="en-US" dirty="0"/>
               <a:t> </a:t>
             </a:r>
             <a:r>
@@ -6752,12 +7022,20 @@
               <a:buChar char="v"/>
             </a:pPr>
             <a:r>
+              <a:rPr lang="en-US" sz="1800" b="1" dirty="0">
+                <a:solidFill>
+                  <a:schemeClr val="bg1"/>
+                </a:solidFill>
+              </a:rPr>
+              <a:t>My Courses</a:t>
+            </a:r>
+            <a:r>
               <a:rPr lang="en-US" sz="1800" dirty="0">
                 <a:solidFill>
                   <a:schemeClr val="bg1"/>
                 </a:solidFill>
               </a:rPr>
-              <a:t>My Courses: In this function instructor can see which courses and sections he is taking in a particular semester.</a:t>
+              <a:t>: In this function instructor can see which courses and sections he is taking in a particular semester.</a:t>
             </a:r>
           </a:p>
           <a:p>
@@ -6766,38 +7044,78 @@
               <a:buChar char="v"/>
             </a:pPr>
             <a:r>
+              <a:rPr lang="en-US" sz="1800" b="1" dirty="0">
+                <a:solidFill>
+                  <a:srgbClr val="FFFFFF"/>
+                </a:solidFill>
+              </a:rPr>
+              <a:t>Class time</a:t>
+            </a:r>
+            <a:r>
+              <a:rPr lang="en-US" sz="1800" b="0" i="0" u="none" strike="noStrike" baseline="0" dirty="0">
+                <a:solidFill>
+                  <a:srgbClr val="FFFFFF"/>
+                </a:solidFill>
+              </a:rPr>
+              <a:t>: Here instructor can watch his class timing with weekly days</a:t>
+            </a:r>
+            <a:r>
               <a:rPr lang="en-US" sz="1800" dirty="0">
                 <a:solidFill>
                   <a:srgbClr val="FFFFFF"/>
                 </a:solidFill>
-                <a:latin typeface="SegoeUI"/>
               </a:rPr>
-              <a:t>Class time</a:t>
+              <a:t>.</a:t>
+            </a:r>
+            <a:endParaRPr lang="en-US" sz="1800" b="0" i="0" u="none" strike="noStrike" baseline="0" dirty="0">
+              <a:solidFill>
+                <a:srgbClr val="FFFFFF"/>
+              </a:solidFill>
+            </a:endParaRPr>
+          </a:p>
+          <a:p>
+            <a:pPr>
+              <a:buFont typeface="Wingdings" panose="05000000000000000000" pitchFamily="2" charset="2"/>
+              <a:buChar char="v"/>
+            </a:pPr>
+            <a:r>
+              <a:rPr lang="en-US" sz="1800" b="1" dirty="0">
+                <a:solidFill>
+                  <a:srgbClr val="FFFFFF"/>
+                </a:solidFill>
+              </a:rPr>
+              <a:t>Manual attendance</a:t>
             </a:r>
             <a:r>
               <a:rPr lang="en-US" sz="1800" b="0" i="0" u="none" strike="noStrike" baseline="0" dirty="0">
                 <a:solidFill>
                   <a:srgbClr val="FFFFFF"/>
                 </a:solidFill>
-                <a:latin typeface="SegoeUI"/>
               </a:rPr>
-              <a:t>: Here instructor can watch his class timing with weekly days</a:t>
+              <a:t>: This function will allow to take attendance manually and see the total present and absent student number.</a:t>
+            </a:r>
+          </a:p>
+          <a:p>
+            <a:pPr>
+              <a:buFont typeface="Wingdings" panose="05000000000000000000" pitchFamily="2" charset="2"/>
+              <a:buChar char="v"/>
+            </a:pPr>
+            <a:r>
+              <a:rPr lang="en-US" sz="1800" b="1" dirty="0">
+                <a:solidFill>
+                  <a:srgbClr val="FFFFFF"/>
+                </a:solidFill>
+              </a:rPr>
+              <a:t>Notification</a:t>
             </a:r>
             <a:r>
               <a:rPr lang="en-US" sz="1800" dirty="0">
                 <a:solidFill>
                   <a:srgbClr val="FFFFFF"/>
                 </a:solidFill>
-                <a:latin typeface="SegoeUI"/>
               </a:rPr>
-              <a:t>.</a:t>
-            </a:r>
-            <a:endParaRPr lang="en-US" sz="1800" b="0" i="0" u="none" strike="noStrike" baseline="0" dirty="0">
-              <a:solidFill>
-                <a:srgbClr val="FFFFFF"/>
-              </a:solidFill>
-              <a:latin typeface="SegoeUI"/>
-            </a:endParaRPr>
+              <a:t>: Here the system will show all kind of notification for the instructor.</a:t>
+            </a:r>
           </a:p>
           <a:p>
             <a:pPr>
@@ -6805,22 +7123,42 @@
               <a:buChar char="v"/>
             </a:pPr>
             <a:r>
+              <a:rPr lang="en-US" sz="1800" b="1" i="0" u="none" strike="noStrike" baseline="0" dirty="0">
+                <a:solidFill>
+                  <a:srgbClr val="FFFFFF"/>
+                </a:solidFill>
+              </a:rPr>
+              <a:t>Send notification</a:t>
+            </a:r>
+            <a:r>
+              <a:rPr lang="en-US" sz="1800" b="0" i="0" u="none" strike="noStrike" baseline="0" dirty="0">
+                <a:solidFill>
+                  <a:srgbClr val="FFFFFF"/>
+                </a:solidFill>
+              </a:rPr>
+              <a:t>: From here instructor can send any kind of notification to the students.</a:t>
+            </a:r>
+          </a:p>
+          <a:p>
+            <a:pPr>
+              <a:buFont typeface="Wingdings" panose="05000000000000000000" pitchFamily="2" charset="2"/>
+              <a:buChar char="v"/>
+            </a:pPr>
+            <a:r>
+              <a:rPr lang="en-US" sz="1800" b="1" dirty="0">
+                <a:solidFill>
+                  <a:srgbClr val="FFFFFF"/>
+                </a:solidFill>
+              </a:rPr>
+              <a:t>Upload grade</a:t>
+            </a:r>
+            <a:r>
               <a:rPr lang="en-US" sz="1800" dirty="0">
                 <a:solidFill>
                   <a:srgbClr val="FFFFFF"/>
                 </a:solidFill>
-                <a:latin typeface="SegoeUI"/>
               </a:rPr>
-              <a:t>Manual attendance</a:t>
-            </a:r>
-            <a:r>
-              <a:rPr lang="en-US" sz="1800" b="0" i="0" u="none" strike="noStrike" baseline="0" dirty="0">
-                <a:solidFill>
-                  <a:srgbClr val="FFFFFF"/>
-                </a:solidFill>
-                <a:latin typeface="SegoeUI"/>
-              </a:rPr>
-              <a:t>: This function will allow to take attendance manually and see the total present and absent student number.</a:t>
+              <a:t>: This function will give instructor upload grade features for all the students in his particular course section.</a:t>
             </a:r>
           </a:p>
           <a:p>
@@ -6829,92 +7167,50 @@
               <a:buChar char="v"/>
             </a:pPr>
             <a:r>
+              <a:rPr lang="en-US" sz="1800" b="1" dirty="0">
+                <a:solidFill>
+                  <a:srgbClr val="FFFFFF"/>
+                </a:solidFill>
+              </a:rPr>
+              <a:t>Assign work</a:t>
+            </a:r>
+            <a:r>
               <a:rPr lang="en-US" sz="1800" dirty="0">
                 <a:solidFill>
                   <a:srgbClr val="FFFFFF"/>
                 </a:solidFill>
-                <a:latin typeface="SegoeUI"/>
               </a:rPr>
-              <a:t>Notification: Here the system will show all kind of notification for the instructor.</a:t>
-            </a:r>
-          </a:p>
-          <a:p>
-            <a:pPr>
-              <a:buFont typeface="Wingdings" panose="05000000000000000000" pitchFamily="2" charset="2"/>
-              <a:buChar char="v"/>
-            </a:pPr>
-            <a:r>
-              <a:rPr lang="en-US" sz="1800" b="0" i="0" u="none" strike="noStrike" baseline="0" dirty="0">
+              <a:t>: Here instructor can assign any kind of </a:t>
+            </a:r>
+            <a:r>
+              <a:rPr lang="en-US" sz="1800" dirty="0" err="1">
                 <a:solidFill>
                   <a:srgbClr val="FFFFFF"/>
                 </a:solidFill>
-                <a:latin typeface="SegoeUI"/>
               </a:rPr>
-              <a:t>Sent notification: From here instructor can send any kind of notification to the students.</a:t>
-            </a:r>
-          </a:p>
-          <a:p>
-            <a:pPr>
-              <a:buFont typeface="Wingdings" panose="05000000000000000000" pitchFamily="2" charset="2"/>
-              <a:buChar char="v"/>
-            </a:pPr>
+              <a:t>cw</a:t>
+            </a:r>
             <a:r>
               <a:rPr lang="en-US" sz="1800" dirty="0">
                 <a:solidFill>
                   <a:srgbClr val="FFFFFF"/>
                 </a:solidFill>
-                <a:latin typeface="SegoeUI"/>
               </a:rPr>
-              <a:t>Upload grade: This function will give instructor upload grade features for all the students in his particular course section.</a:t>
-            </a:r>
-          </a:p>
-          <a:p>
-            <a:pPr>
-              <a:buFont typeface="Wingdings" panose="05000000000000000000" pitchFamily="2" charset="2"/>
-              <a:buChar char="v"/>
-            </a:pPr>
+              <a:t> and </a:t>
+            </a:r>
+            <a:r>
+              <a:rPr lang="en-US" sz="1800" dirty="0" err="1">
+                <a:solidFill>
+                  <a:srgbClr val="FFFFFF"/>
+                </a:solidFill>
+              </a:rPr>
+              <a:t>hw</a:t>
+            </a:r>
             <a:r>
               <a:rPr lang="en-US" sz="1800" dirty="0">
                 <a:solidFill>
                   <a:srgbClr val="FFFFFF"/>
                 </a:solidFill>
-                <a:latin typeface="SegoeUI"/>
-              </a:rPr>
-              <a:t>Assign work: Here instructor can assign any kind of </a:t>
-            </a:r>
-            <a:r>
-              <a:rPr lang="en-US" sz="1800" dirty="0" err="1">
-                <a:solidFill>
-                  <a:srgbClr val="FFFFFF"/>
-                </a:solidFill>
-                <a:latin typeface="SegoeUI"/>
-              </a:rPr>
-              <a:t>cw</a:t>
-            </a:r>
-            <a:r>
-              <a:rPr lang="en-US" sz="1800" dirty="0">
-                <a:solidFill>
-                  <a:srgbClr val="FFFFFF"/>
-                </a:solidFill>
-                <a:latin typeface="SegoeUI"/>
-              </a:rPr>
-              <a:t> and </a:t>
-            </a:r>
-            <a:r>
-              <a:rPr lang="en-US" sz="1800" dirty="0" err="1">
-                <a:solidFill>
-                  <a:srgbClr val="FFFFFF"/>
-                </a:solidFill>
-                <a:latin typeface="SegoeUI"/>
-              </a:rPr>
-              <a:t>hw</a:t>
-            </a:r>
-            <a:r>
-              <a:rPr lang="en-US" sz="1800" dirty="0">
-                <a:solidFill>
-                  <a:srgbClr val="FFFFFF"/>
-                </a:solidFill>
-                <a:latin typeface="SegoeUI"/>
               </a:rPr>
               <a:t> for students.</a:t>
             </a:r>
@@ -6930,12 +7226,20 @@
               <a:buChar char="v"/>
             </a:pPr>
             <a:r>
+              <a:rPr lang="en-US" sz="1800" b="1" dirty="0">
+                <a:solidFill>
+                  <a:schemeClr val="bg1"/>
+                </a:solidFill>
+              </a:rPr>
+              <a:t>Upload file</a:t>
+            </a:r>
+            <a:r>
               <a:rPr lang="en-US" sz="1800" dirty="0">
                 <a:solidFill>
                   <a:schemeClr val="bg1"/>
                 </a:solidFill>
               </a:rPr>
-              <a:t>Upload file: Here instructor can upload any kind of reading materials.</a:t>
+              <a:t>: Here instructor can upload any kind of reading materials.</a:t>
             </a:r>
           </a:p>
           <a:p>
@@ -6943,13 +7247,21 @@
               <a:buFont typeface="Wingdings" panose="05000000000000000000" pitchFamily="2" charset="2"/>
               <a:buChar char="v"/>
             </a:pPr>
+            <a:r>
+              <a:rPr lang="en-US" sz="1800" b="1" dirty="0">
+                <a:solidFill>
+                  <a:schemeClr val="bg1"/>
+                </a:solidFill>
+              </a:rPr>
+              <a:t>View assignment</a:t>
+            </a:r>
             <a:r>
               <a:rPr lang="en-US" sz="1800" dirty="0">
                 <a:solidFill>
                   <a:schemeClr val="bg1"/>
                 </a:solidFill>
               </a:rPr>
-              <a:t>View assignment: In this function instructor can view the submission, late submission or missing assignment with name and id of the student.</a:t>
+              <a:t>: In this function instructor can view the submission, late submission or missing assignment with name and id of the student.</a:t>
             </a:r>
           </a:p>
           <a:p>
@@ -6957,13 +7269,21 @@
               <a:buFont typeface="Wingdings" panose="05000000000000000000" pitchFamily="2" charset="2"/>
               <a:buChar char="v"/>
             </a:pPr>
+            <a:r>
+              <a:rPr lang="en-US" sz="1800" b="1" dirty="0">
+                <a:solidFill>
+                  <a:schemeClr val="bg1"/>
+                </a:solidFill>
+              </a:rPr>
+              <a:t>My profile</a:t>
+            </a:r>
             <a:r>
               <a:rPr lang="en-US" sz="1800" dirty="0">
                 <a:solidFill>
                   <a:schemeClr val="bg1"/>
                 </a:solidFill>
               </a:rPr>
-              <a:t>My profile: This function will show details about the instructor.</a:t>
+              <a:t>: This function will show details about the instructor.</a:t>
             </a:r>
           </a:p>
           <a:p>
@@ -6971,13 +7291,21 @@
               <a:buFont typeface="Wingdings" panose="05000000000000000000" pitchFamily="2" charset="2"/>
               <a:buChar char="v"/>
             </a:pPr>
+            <a:r>
+              <a:rPr lang="en-US" sz="1800" b="1" dirty="0">
+                <a:solidFill>
+                  <a:schemeClr val="bg1"/>
+                </a:solidFill>
+              </a:rPr>
+              <a:t>Offer course time</a:t>
+            </a:r>
             <a:r>
               <a:rPr lang="en-US" sz="1800" dirty="0">
                 <a:solidFill>
                   <a:schemeClr val="bg1"/>
                 </a:solidFill>
               </a:rPr>
-              <a:t>Offer course time: This feature will allow the instructor to set his preferable time for the course to the institution.</a:t>
+              <a:t>: This feature will allow the instructor to set his preferable time for the course to the institution.</a:t>
             </a:r>
           </a:p>
           <a:p>
@@ -6985,13 +7313,21 @@
               <a:buFont typeface="Wingdings" panose="05000000000000000000" pitchFamily="2" charset="2"/>
               <a:buChar char="v"/>
             </a:pPr>
+            <a:r>
+              <a:rPr lang="en-US" sz="1800" b="1" dirty="0">
+                <a:solidFill>
+                  <a:schemeClr val="bg1"/>
+                </a:solidFill>
+              </a:rPr>
+              <a:t>Dashboard</a:t>
+            </a:r>
             <a:r>
               <a:rPr lang="en-US" sz="1800" dirty="0">
                 <a:solidFill>
                   <a:schemeClr val="bg1"/>
                 </a:solidFill>
               </a:rPr>
-              <a:t>Dashboard: It’s show the particular day’s classes, recent class work, recent notifications.</a:t>
+              <a:t>: It’s show the particular day’s classes, recent class work, recent notifications.</a:t>
             </a:r>
           </a:p>
           <a:p>
@@ -7110,7 +7446,7 @@
         <p:spPr>
           <a:xfrm>
             <a:off x="919065" y="881330"/>
-            <a:ext cx="10353869" cy="5976670"/>
+            <a:ext cx="11272935" cy="5976670"/>
           </a:xfrm>
         </p:spPr>
         <p:txBody>
@@ -7134,12 +7470,20 @@
               <a:buChar char="v"/>
             </a:pPr>
             <a:r>
+              <a:rPr lang="en-US" sz="1800" b="1" dirty="0">
+                <a:solidFill>
+                  <a:schemeClr val="bg1"/>
+                </a:solidFill>
+              </a:rPr>
+              <a:t>Class work</a:t>
+            </a:r>
+            <a:r>
               <a:rPr lang="en-US" sz="1800" dirty="0">
                 <a:solidFill>
                   <a:schemeClr val="bg1"/>
                 </a:solidFill>
               </a:rPr>
-              <a:t>Class work: Student can see of his class work.</a:t>
+              <a:t>: Student can see of his class work.</a:t>
             </a:r>
           </a:p>
           <a:p>
@@ -7148,20 +7492,26 @@
               <a:buChar char="v"/>
             </a:pPr>
             <a:r>
+              <a:rPr lang="en-US" sz="1800" b="1" i="0" u="none" strike="noStrike" baseline="0" dirty="0">
+                <a:solidFill>
+                  <a:srgbClr val="FFFFFF"/>
+                </a:solidFill>
+              </a:rPr>
+              <a:t>Notifications</a:t>
+            </a:r>
+            <a:r>
               <a:rPr lang="en-US" sz="1800" b="0" i="0" u="none" strike="noStrike" baseline="0" dirty="0">
                 <a:solidFill>
                   <a:srgbClr val="FFFFFF"/>
                 </a:solidFill>
-                <a:latin typeface="SegoeUI"/>
               </a:rPr>
-              <a:t>Notifications: Basically this </a:t>
+              <a:t>: Basically this </a:t>
             </a:r>
             <a:r>
               <a:rPr lang="en-US" sz="1800" dirty="0">
                 <a:solidFill>
                   <a:srgbClr val="FFFFFF"/>
                 </a:solidFill>
-                <a:latin typeface="SegoeUI"/>
               </a:rPr>
               <a:t>function for class work notifications.</a:t>
             </a:r>
@@ -7169,7 +7519,6 @@
               <a:solidFill>
                 <a:srgbClr val="FFFFFF"/>
               </a:solidFill>
-              <a:latin typeface="SegoeUI"/>
             </a:endParaRPr>
           </a:p>
           <a:p>
@@ -7178,13 +7527,20 @@
               <a:buChar char="v"/>
             </a:pPr>
             <a:r>
+              <a:rPr lang="en-US" sz="1800" b="1" i="0" u="none" strike="noStrike" baseline="0" dirty="0">
+                <a:solidFill>
+                  <a:srgbClr val="FFFFFF"/>
+                </a:solidFill>
+              </a:rPr>
+              <a:t>Course List</a:t>
+            </a:r>
+            <a:r>
               <a:rPr lang="en-US" sz="1800" b="0" i="0" u="none" strike="noStrike" baseline="0" dirty="0">
                 <a:solidFill>
                   <a:srgbClr val="FFFFFF"/>
                 </a:solidFill>
-                <a:latin typeface="SegoeUI"/>
               </a:rPr>
-              <a:t>Course List: this function use for check course list.</a:t>
+              <a:t>: this function use for check course list.</a:t>
             </a:r>
           </a:p>
           <a:p>
@@ -7193,13 +7549,20 @@
               <a:buChar char="v"/>
             </a:pPr>
             <a:r>
+              <a:rPr lang="en-US" sz="1800" b="1" dirty="0">
+                <a:solidFill>
+                  <a:srgbClr val="FFFFFF"/>
+                </a:solidFill>
+              </a:rPr>
+              <a:t>Advising:</a:t>
+            </a:r>
+            <a:r>
               <a:rPr lang="en-US" sz="1800" dirty="0">
                 <a:solidFill>
                   <a:srgbClr val="FFFFFF"/>
                 </a:solidFill>
-                <a:latin typeface="SegoeUI"/>
               </a:rPr>
-              <a:t>Advising: to take course.</a:t>
+              <a:t> to take course.</a:t>
             </a:r>
           </a:p>
           <a:p>
@@ -7208,13 +7571,20 @@
               <a:buChar char="v"/>
             </a:pPr>
             <a:r>
+              <a:rPr lang="en-US" sz="1800" b="1" i="0" u="none" strike="noStrike" baseline="0" dirty="0">
+                <a:solidFill>
+                  <a:srgbClr val="FFFFFF"/>
+                </a:solidFill>
+              </a:rPr>
+              <a:t>Profile</a:t>
+            </a:r>
+            <a:r>
               <a:rPr lang="en-US" sz="1800" b="0" i="0" u="none" strike="noStrike" baseline="0" dirty="0">
                 <a:solidFill>
                   <a:srgbClr val="FFFFFF"/>
                 </a:solidFill>
-                <a:latin typeface="SegoeUI"/>
               </a:rPr>
-              <a:t>Profile: Basic information get from this function.</a:t>
+              <a:t>: Basic information get from this function.</a:t>
             </a:r>
           </a:p>
           <a:p>
@@ -7223,13 +7593,20 @@
               <a:buChar char="v"/>
             </a:pPr>
             <a:r>
+              <a:rPr lang="en-US" sz="1800" b="1" dirty="0">
+                <a:solidFill>
+                  <a:srgbClr val="FFFFFF"/>
+                </a:solidFill>
+              </a:rPr>
+              <a:t>Class time</a:t>
+            </a:r>
+            <a:r>
               <a:rPr lang="en-US" sz="1800" dirty="0">
                 <a:solidFill>
                   <a:srgbClr val="FFFFFF"/>
                 </a:solidFill>
-                <a:latin typeface="SegoeUI"/>
               </a:rPr>
-              <a:t>Class time: watch class time and also highlight the class time.</a:t>
+              <a:t>: watch class time and also highlight the class time.</a:t>
             </a:r>
           </a:p>
           <a:p>
@@ -7238,22 +7615,28 @@
               <a:buChar char="v"/>
             </a:pPr>
             <a:r>
-              <a:rPr lang="en-US" sz="1800" b="0" i="0" u="none" strike="noStrike" baseline="0" dirty="0">
+              <a:rPr lang="en-US" sz="1800" b="1" i="0" u="none" strike="noStrike" baseline="0" dirty="0">
                 <a:solidFill>
                   <a:srgbClr val="FFFFFF"/>
                 </a:solidFill>
-                <a:latin typeface="SegoeUI"/>
               </a:rPr>
               <a:t>Add class</a:t>
+            </a:r>
+            <a:r>
+              <a:rPr lang="en-US" sz="1800" b="1" dirty="0">
+                <a:solidFill>
+                  <a:srgbClr val="FFFFFF"/>
+                </a:solidFill>
+              </a:rPr>
+              <a:t>mates</a:t>
             </a:r>
             <a:r>
               <a:rPr lang="en-US" sz="1800" dirty="0">
                 <a:solidFill>
                   <a:srgbClr val="FFFFFF"/>
                 </a:solidFill>
-                <a:latin typeface="SegoeUI"/>
               </a:rPr>
-              <a:t>mates: Student can be add of his/ her classmates.</a:t>
+              <a:t>: Student can be add of his/ her classmates.</a:t>
             </a:r>
             <a:endParaRPr lang="en-US" sz="1800" dirty="0">
               <a:solidFill>
@@ -7267,12 +7650,20 @@
               <a:buChar char="v"/>
             </a:pPr>
             <a:r>
+              <a:rPr lang="en-US" sz="1800" b="1" dirty="0">
+                <a:solidFill>
+                  <a:schemeClr val="bg1"/>
+                </a:solidFill>
+              </a:rPr>
+              <a:t>Attendance</a:t>
+            </a:r>
+            <a:r>
               <a:rPr lang="en-US" sz="1800" dirty="0">
                 <a:solidFill>
                   <a:schemeClr val="bg1"/>
                 </a:solidFill>
               </a:rPr>
-              <a:t>Attendance: count attendance, missing class number etc.</a:t>
+              <a:t>: count attendance, missing class number etc.</a:t>
             </a:r>
           </a:p>
           <a:p>
@@ -7280,13 +7671,21 @@
               <a:buFont typeface="Wingdings" panose="05000000000000000000" pitchFamily="2" charset="2"/>
               <a:buChar char="v"/>
             </a:pPr>
+            <a:r>
+              <a:rPr lang="en-US" sz="1800" b="1" dirty="0">
+                <a:solidFill>
+                  <a:schemeClr val="bg1"/>
+                </a:solidFill>
+              </a:rPr>
+              <a:t>Student register</a:t>
+            </a:r>
             <a:r>
               <a:rPr lang="en-US" sz="1800" dirty="0">
                 <a:solidFill>
                   <a:schemeClr val="bg1"/>
                 </a:solidFill>
               </a:rPr>
-              <a:t>Student register: Every student must be registered and have an unique id that is need to access for LMS.</a:t>
+              <a:t>: Every student must be registered and have an unique id that is need to access for LMS.</a:t>
             </a:r>
           </a:p>
           <a:p>
@@ -7294,13 +7693,21 @@
               <a:buFont typeface="Wingdings" panose="05000000000000000000" pitchFamily="2" charset="2"/>
               <a:buChar char="v"/>
             </a:pPr>
+            <a:r>
+              <a:rPr lang="en-US" sz="1800" b="1" dirty="0">
+                <a:solidFill>
+                  <a:schemeClr val="bg1"/>
+                </a:solidFill>
+              </a:rPr>
+              <a:t>Resource</a:t>
+            </a:r>
             <a:r>
               <a:rPr lang="en-US" sz="1800" dirty="0">
                 <a:solidFill>
                   <a:schemeClr val="bg1"/>
                 </a:solidFill>
               </a:rPr>
-              <a:t>Resource: All types of resource like slides, docs and pdf etc. get from function.</a:t>
+              <a:t>: All types of resource like slides, docs and pdf etc. get from function.</a:t>
             </a:r>
           </a:p>
           <a:p>

--- a/Documention/Group project proposal/Presentation.pptx
+++ b/Documention/Group project proposal/Presentation.pptx
@@ -6136,7 +6136,7 @@
                   <a:schemeClr val="bg1"/>
                 </a:solidFill>
               </a:rPr>
-              <a:t>: Student can see of his class work.</a:t>
+              <a:t>: It shows total number of institution, user and current month earning.</a:t>
             </a:r>
           </a:p>
           <a:p>
@@ -6149,7 +6149,6 @@
                 <a:solidFill>
                   <a:srgbClr val="FFFFFF"/>
                 </a:solidFill>
-                <a:latin typeface="SegoeUI"/>
               </a:rPr>
               <a:t>Institutions</a:t>
             </a:r>
@@ -6158,7 +6157,6 @@
                 <a:solidFill>
                   <a:srgbClr val="FFFFFF"/>
                 </a:solidFill>
-                <a:latin typeface="SegoeUI"/>
               </a:rPr>
               <a:t>: Basically this </a:t>
             </a:r>
@@ -6167,15 +6165,13 @@
                 <a:solidFill>
                   <a:srgbClr val="FFFFFF"/>
                 </a:solidFill>
-                <a:latin typeface="SegoeUI"/>
               </a:rPr>
-              <a:t>function for class work notifications.</a:t>
+              <a:t>function show all institution which is take our services.</a:t>
             </a:r>
             <a:endParaRPr lang="en-US" sz="1800" b="0" i="0" u="none" strike="noStrike" baseline="0" dirty="0">
               <a:solidFill>
                 <a:srgbClr val="FFFFFF"/>
               </a:solidFill>
-              <a:latin typeface="SegoeUI"/>
             </a:endParaRPr>
           </a:p>
           <a:p>
@@ -6188,7 +6184,6 @@
                 <a:solidFill>
                   <a:srgbClr val="FFFFFF"/>
                 </a:solidFill>
-                <a:latin typeface="SegoeUI"/>
               </a:rPr>
               <a:t>Packages</a:t>
             </a:r>
@@ -6197,9 +6192,8 @@
                 <a:solidFill>
                   <a:srgbClr val="FFFFFF"/>
                 </a:solidFill>
-                <a:latin typeface="SegoeUI"/>
               </a:rPr>
-              <a:t>: this function use for check course list.</a:t>
+              <a:t>: this function use for add, edit, delete and active package and also all package that we offer.</a:t>
             </a:r>
           </a:p>
           <a:p>
@@ -6212,7 +6206,6 @@
                 <a:solidFill>
                   <a:srgbClr val="FFFFFF"/>
                 </a:solidFill>
-                <a:latin typeface="SegoeUI"/>
               </a:rPr>
               <a:t>Earnings</a:t>
             </a:r>
@@ -6221,9 +6214,8 @@
                 <a:solidFill>
                   <a:srgbClr val="FFFFFF"/>
                 </a:solidFill>
-                <a:latin typeface="SegoeUI"/>
               </a:rPr>
-              <a:t>: to take course.</a:t>
+              <a:t>: Here we see the total earning from each institution(Monthly, Yearly, Last Month).</a:t>
             </a:r>
           </a:p>
           <a:p>
@@ -6236,18 +6228,16 @@
                 <a:solidFill>
                   <a:srgbClr val="FFFFFF"/>
                 </a:solidFill>
-                <a:latin typeface="SegoeUI"/>
               </a:rPr>
-              <a:t>Backup</a:t>
+              <a:t>Backup &amp; Restore</a:t>
             </a:r>
             <a:r>
               <a:rPr lang="en-US" sz="1800" b="0" i="0" u="none" strike="noStrike" baseline="0" dirty="0">
                 <a:solidFill>
                   <a:srgbClr val="FFFFFF"/>
                 </a:solidFill>
-                <a:latin typeface="SegoeUI"/>
               </a:rPr>
-              <a:t>: Basic information get from this function.</a:t>
+              <a:t>: this function offer to Backup and Restore Data to get information and also have to delete option to remove all of data.</a:t>
             </a:r>
           </a:p>
           <a:p>
@@ -6260,7 +6250,6 @@
                 <a:solidFill>
                   <a:srgbClr val="FFFFFF"/>
                 </a:solidFill>
-                <a:latin typeface="SegoeUI"/>
               </a:rPr>
               <a:t>Verify</a:t>
             </a:r>
@@ -6269,7 +6258,6 @@
                 <a:solidFill>
                   <a:srgbClr val="FFFFFF"/>
                 </a:solidFill>
-                <a:latin typeface="SegoeUI"/>
               </a:rPr>
               <a:t> </a:t>
             </a:r>
@@ -6278,7 +6266,6 @@
                 <a:solidFill>
                   <a:srgbClr val="FFFFFF"/>
                 </a:solidFill>
-                <a:latin typeface="SegoeUI"/>
               </a:rPr>
               <a:t>institutions</a:t>
             </a:r>
@@ -6287,9 +6274,8 @@
                 <a:solidFill>
                   <a:srgbClr val="FFFFFF"/>
                 </a:solidFill>
-                <a:latin typeface="SegoeUI"/>
               </a:rPr>
-              <a:t>: watch class time and also highlight the class time.</a:t>
+              <a:t>: All institution verify from this function.</a:t>
             </a:r>
           </a:p>
           <a:p>
@@ -6302,7 +6288,6 @@
                 <a:solidFill>
                   <a:srgbClr val="FFFFFF"/>
                 </a:solidFill>
-                <a:latin typeface="SegoeUI"/>
               </a:rPr>
               <a:t>Profile</a:t>
             </a:r>
@@ -6311,9 +6296,8 @@
                 <a:solidFill>
                   <a:srgbClr val="FFFFFF"/>
                 </a:solidFill>
-                <a:latin typeface="SegoeUI"/>
               </a:rPr>
-              <a:t>: Student can be add of his/ her classmates.</a:t>
+              <a:t>: It’s show all member of admin.</a:t>
             </a:r>
             <a:endParaRPr lang="en-US" sz="1800" dirty="0">
               <a:solidFill>
@@ -6372,7 +6356,7 @@
                   <a:schemeClr val="bg1"/>
                 </a:solidFill>
               </a:rPr>
-              <a:t>: count attendance, missing class number etc.</a:t>
+              <a:t>: it has three option which are view , edit and delete content.</a:t>
             </a:r>
           </a:p>
           <a:p>
@@ -6426,7 +6410,7 @@
                   <a:schemeClr val="bg1"/>
                 </a:solidFill>
               </a:rPr>
-              <a:t>: Every student must be registered and have an unique id that is need to access for LMS.</a:t>
+              <a:t>: We can view notice and delete notice from here.</a:t>
             </a:r>
           </a:p>
           <a:p>
@@ -6448,7 +6432,7 @@
                   <a:schemeClr val="bg1"/>
                 </a:solidFill>
               </a:rPr>
-              <a:t>: All types of resource like slides, docs and pdf etc. get from function.</a:t>
+              <a:t>: Log out from admin function.</a:t>
             </a:r>
           </a:p>
           <a:p>

--- a/Documention/Group project proposal/Presentation.pptx
+++ b/Documention/Group project proposal/Presentation.pptx
@@ -7718,6 +7718,17 @@
 <file path=ppt/slides/slide8.xml><?xml version="1.0" encoding="utf-8"?>
 <p:sld xmlns:a="http://schemas.openxmlformats.org/drawingml/2006/main" xmlns:r="http://schemas.openxmlformats.org/officeDocument/2006/relationships" xmlns:p="http://schemas.openxmlformats.org/presentationml/2006/main">
   <p:cSld>
+    <p:bg>
+      <p:bgPr>
+        <a:solidFill>
+          <a:schemeClr val="accent3">
+            <a:lumMod val="60000"/>
+            <a:lumOff val="40000"/>
+          </a:schemeClr>
+        </a:solidFill>
+        <a:effectLst/>
+      </p:bgPr>
+    </p:bg>
     <p:spTree>
       <p:nvGrpSpPr>
         <p:cNvPr id="1" name="Shape 111"/>
